--- a/Presentation.pptx
+++ b/Presentation.pptx
@@ -5,30 +5,29 @@
     <p:sldMasterId id="2147483659" r:id="rId1"/>
   </p:sldMasterIdLst>
   <p:notesMasterIdLst>
-    <p:notesMasterId r:id="rId15"/>
+    <p:notesMasterId r:id="rId14"/>
   </p:notesMasterIdLst>
   <p:sldIdLst>
     <p:sldId id="256" r:id="rId2"/>
     <p:sldId id="269" r:id="rId3"/>
     <p:sldId id="258" r:id="rId4"/>
-    <p:sldId id="259" r:id="rId5"/>
-    <p:sldId id="260" r:id="rId6"/>
-    <p:sldId id="261" r:id="rId7"/>
-    <p:sldId id="262" r:id="rId8"/>
-    <p:sldId id="263" r:id="rId9"/>
-    <p:sldId id="264" r:id="rId10"/>
-    <p:sldId id="265" r:id="rId11"/>
-    <p:sldId id="266" r:id="rId12"/>
-    <p:sldId id="267" r:id="rId13"/>
-    <p:sldId id="268" r:id="rId14"/>
+    <p:sldId id="260" r:id="rId5"/>
+    <p:sldId id="270" r:id="rId6"/>
+    <p:sldId id="271" r:id="rId7"/>
+    <p:sldId id="263" r:id="rId8"/>
+    <p:sldId id="264" r:id="rId9"/>
+    <p:sldId id="265" r:id="rId10"/>
+    <p:sldId id="266" r:id="rId11"/>
+    <p:sldId id="267" r:id="rId12"/>
+    <p:sldId id="268" r:id="rId13"/>
   </p:sldIdLst>
   <p:sldSz cx="9144000" cy="6858000" type="screen4x3"/>
   <p:notesSz cx="6858000" cy="9144000"/>
   <p:embeddedFontLst>
     <p:embeddedFont>
       <p:font typeface="Tahoma" panose="020B0604030504040204" pitchFamily="34" charset="0"/>
-      <p:regular r:id="rId16"/>
-      <p:bold r:id="rId17"/>
+      <p:regular r:id="rId15"/>
+      <p:bold r:id="rId16"/>
     </p:embeddedFont>
   </p:embeddedFontLst>
   <p:defaultTextStyle>
@@ -294,7 +293,7 @@
 <file path=ppt/comments/comment1.xml><?xml version="1.0" encoding="utf-8"?>
 <p:cmLst xmlns:a="http://schemas.openxmlformats.org/drawingml/2006/main" xmlns:r="http://schemas.openxmlformats.org/officeDocument/2006/relationships" xmlns:p="http://schemas.openxmlformats.org/presentationml/2006/main">
   <p:cm authorId="1" dt="2021-04-04T16:28:21.539" idx="1">
-    <p:pos x="10" y="10"/>
+    <p:pos x="366" y="218"/>
     <p:text/>
     <p:extLst>
       <p:ext uri="{C676402C-5697-4E1C-873F-D02D1690AC5C}">
@@ -1656,7 +1655,527 @@
 </p:notes>
 </file>
 
-<file path=ppt/notesSlides/notesSlide10.xml><?xml version="1.0" encoding="utf-8"?>
+<file path=ppt/notesSlides/notesSlide2.xml><?xml version="1.0" encoding="utf-8"?>
+<p:notes xmlns:a="http://schemas.openxmlformats.org/drawingml/2006/main" xmlns:r="http://schemas.openxmlformats.org/officeDocument/2006/relationships" xmlns:p="http://schemas.openxmlformats.org/presentationml/2006/main" showMasterSp="0" showMasterPhAnim="0">
+  <p:cSld>
+    <p:spTree>
+      <p:nvGrpSpPr>
+        <p:cNvPr id="1" name="Shape 61"/>
+        <p:cNvGrpSpPr/>
+        <p:nvPr/>
+      </p:nvGrpSpPr>
+      <p:grpSpPr>
+        <a:xfrm>
+          <a:off x="0" y="0"/>
+          <a:ext cx="0" cy="0"/>
+          <a:chOff x="0" y="0"/>
+          <a:chExt cx="0" cy="0"/>
+        </a:xfrm>
+      </p:grpSpPr>
+      <p:sp>
+        <p:nvSpPr>
+          <p:cNvPr id="62" name="Google Shape;62;p3:notes"/>
+          <p:cNvSpPr txBox="1">
+            <a:spLocks noGrp="1"/>
+          </p:cNvSpPr>
+          <p:nvPr>
+            <p:ph type="body" idx="1"/>
+          </p:nvPr>
+        </p:nvSpPr>
+        <p:spPr>
+          <a:xfrm>
+            <a:off x="685800" y="4343400"/>
+            <a:ext cx="5486400" cy="4114800"/>
+          </a:xfrm>
+          <a:prstGeom prst="rect">
+            <a:avLst/>
+          </a:prstGeom>
+        </p:spPr>
+        <p:txBody>
+          <a:bodyPr spcFirstLastPara="1" wrap="square" lIns="91425" tIns="45700" rIns="91425" bIns="45700" anchor="t" anchorCtr="0">
+            <a:noAutofit/>
+          </a:bodyPr>
+          <a:lstStyle/>
+          <a:p>
+            <a:pPr marL="0" lvl="0" indent="0" algn="l" rtl="0">
+              <a:spcBef>
+                <a:spcPts val="360"/>
+              </a:spcBef>
+              <a:spcAft>
+                <a:spcPts val="0"/>
+              </a:spcAft>
+              <a:buNone/>
+            </a:pPr>
+            <a:endParaRPr/>
+          </a:p>
+        </p:txBody>
+      </p:sp>
+      <p:sp>
+        <p:nvSpPr>
+          <p:cNvPr id="63" name="Google Shape;63;p3:notes"/>
+          <p:cNvSpPr>
+            <a:spLocks noGrp="1" noRot="1" noChangeAspect="1"/>
+          </p:cNvSpPr>
+          <p:nvPr>
+            <p:ph type="sldImg" idx="2"/>
+          </p:nvPr>
+        </p:nvSpPr>
+        <p:spPr>
+          <a:xfrm>
+            <a:off x="1143000" y="685800"/>
+            <a:ext cx="4572000" cy="3429000"/>
+          </a:xfrm>
+          <a:custGeom>
+            <a:avLst/>
+            <a:gdLst/>
+            <a:ahLst/>
+            <a:cxnLst/>
+            <a:rect l="l" t="t" r="r" b="b"/>
+            <a:pathLst>
+              <a:path w="120000" h="120000" extrusionOk="0">
+                <a:moveTo>
+                  <a:pt x="0" y="0"/>
+                </a:moveTo>
+                <a:lnTo>
+                  <a:pt x="120000" y="0"/>
+                </a:lnTo>
+                <a:lnTo>
+                  <a:pt x="120000" y="120000"/>
+                </a:lnTo>
+                <a:lnTo>
+                  <a:pt x="0" y="120000"/>
+                </a:lnTo>
+                <a:close/>
+              </a:path>
+            </a:pathLst>
+          </a:custGeom>
+        </p:spPr>
+      </p:sp>
+    </p:spTree>
+  </p:cSld>
+  <p:clrMapOvr>
+    <a:masterClrMapping/>
+  </p:clrMapOvr>
+</p:notes>
+</file>
+
+<file path=ppt/notesSlides/notesSlide3.xml><?xml version="1.0" encoding="utf-8"?>
+<p:notes xmlns:a="http://schemas.openxmlformats.org/drawingml/2006/main" xmlns:r="http://schemas.openxmlformats.org/officeDocument/2006/relationships" xmlns:p="http://schemas.openxmlformats.org/presentationml/2006/main" showMasterSp="0" showMasterPhAnim="0">
+  <p:cSld>
+    <p:spTree>
+      <p:nvGrpSpPr>
+        <p:cNvPr id="1" name="Shape 85"/>
+        <p:cNvGrpSpPr/>
+        <p:nvPr/>
+      </p:nvGrpSpPr>
+      <p:grpSpPr>
+        <a:xfrm>
+          <a:off x="0" y="0"/>
+          <a:ext cx="0" cy="0"/>
+          <a:chOff x="0" y="0"/>
+          <a:chExt cx="0" cy="0"/>
+        </a:xfrm>
+      </p:grpSpPr>
+      <p:sp>
+        <p:nvSpPr>
+          <p:cNvPr id="86" name="Google Shape;86;p5:notes"/>
+          <p:cNvSpPr txBox="1">
+            <a:spLocks noGrp="1"/>
+          </p:cNvSpPr>
+          <p:nvPr>
+            <p:ph type="body" idx="1"/>
+          </p:nvPr>
+        </p:nvSpPr>
+        <p:spPr>
+          <a:xfrm>
+            <a:off x="685800" y="4343400"/>
+            <a:ext cx="5486400" cy="4114800"/>
+          </a:xfrm>
+          <a:prstGeom prst="rect">
+            <a:avLst/>
+          </a:prstGeom>
+        </p:spPr>
+        <p:txBody>
+          <a:bodyPr spcFirstLastPara="1" wrap="square" lIns="91425" tIns="45700" rIns="91425" bIns="45700" anchor="t" anchorCtr="0">
+            <a:noAutofit/>
+          </a:bodyPr>
+          <a:lstStyle/>
+          <a:p>
+            <a:pPr marL="0" lvl="0" indent="0" algn="l" rtl="0">
+              <a:spcBef>
+                <a:spcPts val="360"/>
+              </a:spcBef>
+              <a:spcAft>
+                <a:spcPts val="0"/>
+              </a:spcAft>
+              <a:buNone/>
+            </a:pPr>
+            <a:endParaRPr/>
+          </a:p>
+        </p:txBody>
+      </p:sp>
+      <p:sp>
+        <p:nvSpPr>
+          <p:cNvPr id="87" name="Google Shape;87;p5:notes"/>
+          <p:cNvSpPr>
+            <a:spLocks noGrp="1" noRot="1" noChangeAspect="1"/>
+          </p:cNvSpPr>
+          <p:nvPr>
+            <p:ph type="sldImg" idx="2"/>
+          </p:nvPr>
+        </p:nvSpPr>
+        <p:spPr>
+          <a:xfrm>
+            <a:off x="1143000" y="685800"/>
+            <a:ext cx="4572000" cy="3429000"/>
+          </a:xfrm>
+          <a:custGeom>
+            <a:avLst/>
+            <a:gdLst/>
+            <a:ahLst/>
+            <a:cxnLst/>
+            <a:rect l="l" t="t" r="r" b="b"/>
+            <a:pathLst>
+              <a:path w="120000" h="120000" extrusionOk="0">
+                <a:moveTo>
+                  <a:pt x="0" y="0"/>
+                </a:moveTo>
+                <a:lnTo>
+                  <a:pt x="120000" y="0"/>
+                </a:lnTo>
+                <a:lnTo>
+                  <a:pt x="120000" y="120000"/>
+                </a:lnTo>
+                <a:lnTo>
+                  <a:pt x="0" y="120000"/>
+                </a:lnTo>
+                <a:close/>
+              </a:path>
+            </a:pathLst>
+          </a:custGeom>
+        </p:spPr>
+      </p:sp>
+    </p:spTree>
+  </p:cSld>
+  <p:clrMapOvr>
+    <a:masterClrMapping/>
+  </p:clrMapOvr>
+</p:notes>
+</file>
+
+<file path=ppt/notesSlides/notesSlide4.xml><?xml version="1.0" encoding="utf-8"?>
+<p:notes xmlns:a="http://schemas.openxmlformats.org/drawingml/2006/main" xmlns:r="http://schemas.openxmlformats.org/officeDocument/2006/relationships" xmlns:p="http://schemas.openxmlformats.org/presentationml/2006/main" showMasterSp="0" showMasterPhAnim="0">
+  <p:cSld>
+    <p:spTree>
+      <p:nvGrpSpPr>
+        <p:cNvPr id="1" name="Shape 118"/>
+        <p:cNvGrpSpPr/>
+        <p:nvPr/>
+      </p:nvGrpSpPr>
+      <p:grpSpPr>
+        <a:xfrm>
+          <a:off x="0" y="0"/>
+          <a:ext cx="0" cy="0"/>
+          <a:chOff x="0" y="0"/>
+          <a:chExt cx="0" cy="0"/>
+        </a:xfrm>
+      </p:grpSpPr>
+      <p:sp>
+        <p:nvSpPr>
+          <p:cNvPr id="119" name="Google Shape;119;p8:notes"/>
+          <p:cNvSpPr txBox="1">
+            <a:spLocks noGrp="1"/>
+          </p:cNvSpPr>
+          <p:nvPr>
+            <p:ph type="body" idx="1"/>
+          </p:nvPr>
+        </p:nvSpPr>
+        <p:spPr>
+          <a:xfrm>
+            <a:off x="685800" y="4343400"/>
+            <a:ext cx="5486400" cy="4114800"/>
+          </a:xfrm>
+          <a:prstGeom prst="rect">
+            <a:avLst/>
+          </a:prstGeom>
+        </p:spPr>
+        <p:txBody>
+          <a:bodyPr spcFirstLastPara="1" wrap="square" lIns="91425" tIns="45700" rIns="91425" bIns="45700" anchor="t" anchorCtr="0">
+            <a:noAutofit/>
+          </a:bodyPr>
+          <a:lstStyle/>
+          <a:p>
+            <a:pPr marL="0" lvl="0" indent="0" algn="l" rtl="0">
+              <a:spcBef>
+                <a:spcPts val="360"/>
+              </a:spcBef>
+              <a:spcAft>
+                <a:spcPts val="0"/>
+              </a:spcAft>
+              <a:buNone/>
+            </a:pPr>
+            <a:endParaRPr/>
+          </a:p>
+        </p:txBody>
+      </p:sp>
+      <p:sp>
+        <p:nvSpPr>
+          <p:cNvPr id="120" name="Google Shape;120;p8:notes"/>
+          <p:cNvSpPr>
+            <a:spLocks noGrp="1" noRot="1" noChangeAspect="1"/>
+          </p:cNvSpPr>
+          <p:nvPr>
+            <p:ph type="sldImg" idx="2"/>
+          </p:nvPr>
+        </p:nvSpPr>
+        <p:spPr>
+          <a:xfrm>
+            <a:off x="1143000" y="685800"/>
+            <a:ext cx="4572000" cy="3429000"/>
+          </a:xfrm>
+          <a:custGeom>
+            <a:avLst/>
+            <a:gdLst/>
+            <a:ahLst/>
+            <a:cxnLst/>
+            <a:rect l="l" t="t" r="r" b="b"/>
+            <a:pathLst>
+              <a:path w="120000" h="120000" extrusionOk="0">
+                <a:moveTo>
+                  <a:pt x="0" y="0"/>
+                </a:moveTo>
+                <a:lnTo>
+                  <a:pt x="120000" y="0"/>
+                </a:lnTo>
+                <a:lnTo>
+                  <a:pt x="120000" y="120000"/>
+                </a:lnTo>
+                <a:lnTo>
+                  <a:pt x="0" y="120000"/>
+                </a:lnTo>
+                <a:close/>
+              </a:path>
+            </a:pathLst>
+          </a:custGeom>
+        </p:spPr>
+      </p:sp>
+    </p:spTree>
+  </p:cSld>
+  <p:clrMapOvr>
+    <a:masterClrMapping/>
+  </p:clrMapOvr>
+</p:notes>
+</file>
+
+<file path=ppt/notesSlides/notesSlide5.xml><?xml version="1.0" encoding="utf-8"?>
+<p:notes xmlns:a="http://schemas.openxmlformats.org/drawingml/2006/main" xmlns:r="http://schemas.openxmlformats.org/officeDocument/2006/relationships" xmlns:p="http://schemas.openxmlformats.org/presentationml/2006/main" showMasterSp="0" showMasterPhAnim="0">
+  <p:cSld>
+    <p:spTree>
+      <p:nvGrpSpPr>
+        <p:cNvPr id="1" name="Shape 133"/>
+        <p:cNvGrpSpPr/>
+        <p:nvPr/>
+      </p:nvGrpSpPr>
+      <p:grpSpPr>
+        <a:xfrm>
+          <a:off x="0" y="0"/>
+          <a:ext cx="0" cy="0"/>
+          <a:chOff x="0" y="0"/>
+          <a:chExt cx="0" cy="0"/>
+        </a:xfrm>
+      </p:grpSpPr>
+      <p:sp>
+        <p:nvSpPr>
+          <p:cNvPr id="134" name="Google Shape;134;p9:notes"/>
+          <p:cNvSpPr txBox="1">
+            <a:spLocks noGrp="1"/>
+          </p:cNvSpPr>
+          <p:nvPr>
+            <p:ph type="body" idx="1"/>
+          </p:nvPr>
+        </p:nvSpPr>
+        <p:spPr>
+          <a:xfrm>
+            <a:off x="685800" y="4343400"/>
+            <a:ext cx="5486400" cy="4114800"/>
+          </a:xfrm>
+          <a:prstGeom prst="rect">
+            <a:avLst/>
+          </a:prstGeom>
+        </p:spPr>
+        <p:txBody>
+          <a:bodyPr spcFirstLastPara="1" wrap="square" lIns="91425" tIns="45700" rIns="91425" bIns="45700" anchor="t" anchorCtr="0">
+            <a:noAutofit/>
+          </a:bodyPr>
+          <a:lstStyle/>
+          <a:p>
+            <a:pPr marL="0" lvl="0" indent="0" algn="l" rtl="0">
+              <a:spcBef>
+                <a:spcPts val="360"/>
+              </a:spcBef>
+              <a:spcAft>
+                <a:spcPts val="0"/>
+              </a:spcAft>
+              <a:buNone/>
+            </a:pPr>
+            <a:endParaRPr/>
+          </a:p>
+        </p:txBody>
+      </p:sp>
+      <p:sp>
+        <p:nvSpPr>
+          <p:cNvPr id="135" name="Google Shape;135;p9:notes"/>
+          <p:cNvSpPr>
+            <a:spLocks noGrp="1" noRot="1" noChangeAspect="1"/>
+          </p:cNvSpPr>
+          <p:nvPr>
+            <p:ph type="sldImg" idx="2"/>
+          </p:nvPr>
+        </p:nvSpPr>
+        <p:spPr>
+          <a:xfrm>
+            <a:off x="1143000" y="685800"/>
+            <a:ext cx="4572000" cy="3429000"/>
+          </a:xfrm>
+          <a:custGeom>
+            <a:avLst/>
+            <a:gdLst/>
+            <a:ahLst/>
+            <a:cxnLst/>
+            <a:rect l="l" t="t" r="r" b="b"/>
+            <a:pathLst>
+              <a:path w="120000" h="120000" extrusionOk="0">
+                <a:moveTo>
+                  <a:pt x="0" y="0"/>
+                </a:moveTo>
+                <a:lnTo>
+                  <a:pt x="120000" y="0"/>
+                </a:lnTo>
+                <a:lnTo>
+                  <a:pt x="120000" y="120000"/>
+                </a:lnTo>
+                <a:lnTo>
+                  <a:pt x="0" y="120000"/>
+                </a:lnTo>
+                <a:close/>
+              </a:path>
+            </a:pathLst>
+          </a:custGeom>
+        </p:spPr>
+      </p:sp>
+    </p:spTree>
+  </p:cSld>
+  <p:clrMapOvr>
+    <a:masterClrMapping/>
+  </p:clrMapOvr>
+</p:notes>
+</file>
+
+<file path=ppt/notesSlides/notesSlide6.xml><?xml version="1.0" encoding="utf-8"?>
+<p:notes xmlns:a="http://schemas.openxmlformats.org/drawingml/2006/main" xmlns:r="http://schemas.openxmlformats.org/officeDocument/2006/relationships" xmlns:p="http://schemas.openxmlformats.org/presentationml/2006/main" showMasterSp="0" showMasterPhAnim="0">
+  <p:cSld>
+    <p:spTree>
+      <p:nvGrpSpPr>
+        <p:cNvPr id="1" name="Shape 146"/>
+        <p:cNvGrpSpPr/>
+        <p:nvPr/>
+      </p:nvGrpSpPr>
+      <p:grpSpPr>
+        <a:xfrm>
+          <a:off x="0" y="0"/>
+          <a:ext cx="0" cy="0"/>
+          <a:chOff x="0" y="0"/>
+          <a:chExt cx="0" cy="0"/>
+        </a:xfrm>
+      </p:grpSpPr>
+      <p:sp>
+        <p:nvSpPr>
+          <p:cNvPr id="147" name="Google Shape;147;p10:notes"/>
+          <p:cNvSpPr txBox="1">
+            <a:spLocks noGrp="1"/>
+          </p:cNvSpPr>
+          <p:nvPr>
+            <p:ph type="body" idx="1"/>
+          </p:nvPr>
+        </p:nvSpPr>
+        <p:spPr>
+          <a:xfrm>
+            <a:off x="685800" y="4343400"/>
+            <a:ext cx="5486400" cy="4114800"/>
+          </a:xfrm>
+          <a:prstGeom prst="rect">
+            <a:avLst/>
+          </a:prstGeom>
+        </p:spPr>
+        <p:txBody>
+          <a:bodyPr spcFirstLastPara="1" wrap="square" lIns="91425" tIns="45700" rIns="91425" bIns="45700" anchor="t" anchorCtr="0">
+            <a:noAutofit/>
+          </a:bodyPr>
+          <a:lstStyle/>
+          <a:p>
+            <a:pPr marL="0" lvl="0" indent="0" algn="l" rtl="0">
+              <a:spcBef>
+                <a:spcPts val="360"/>
+              </a:spcBef>
+              <a:spcAft>
+                <a:spcPts val="0"/>
+              </a:spcAft>
+              <a:buNone/>
+            </a:pPr>
+            <a:endParaRPr/>
+          </a:p>
+        </p:txBody>
+      </p:sp>
+      <p:sp>
+        <p:nvSpPr>
+          <p:cNvPr id="148" name="Google Shape;148;p10:notes"/>
+          <p:cNvSpPr>
+            <a:spLocks noGrp="1" noRot="1" noChangeAspect="1"/>
+          </p:cNvSpPr>
+          <p:nvPr>
+            <p:ph type="sldImg" idx="2"/>
+          </p:nvPr>
+        </p:nvSpPr>
+        <p:spPr>
+          <a:xfrm>
+            <a:off x="1143000" y="685800"/>
+            <a:ext cx="4572000" cy="3429000"/>
+          </a:xfrm>
+          <a:custGeom>
+            <a:avLst/>
+            <a:gdLst/>
+            <a:ahLst/>
+            <a:cxnLst/>
+            <a:rect l="l" t="t" r="r" b="b"/>
+            <a:pathLst>
+              <a:path w="120000" h="120000" extrusionOk="0">
+                <a:moveTo>
+                  <a:pt x="0" y="0"/>
+                </a:moveTo>
+                <a:lnTo>
+                  <a:pt x="120000" y="0"/>
+                </a:lnTo>
+                <a:lnTo>
+                  <a:pt x="120000" y="120000"/>
+                </a:lnTo>
+                <a:lnTo>
+                  <a:pt x="0" y="120000"/>
+                </a:lnTo>
+                <a:close/>
+              </a:path>
+            </a:pathLst>
+          </a:custGeom>
+        </p:spPr>
+      </p:sp>
+    </p:spTree>
+  </p:cSld>
+  <p:clrMapOvr>
+    <a:masterClrMapping/>
+  </p:clrMapOvr>
+</p:notes>
+</file>
+
+<file path=ppt/notesSlides/notesSlide7.xml><?xml version="1.0" encoding="utf-8"?>
 <p:notes xmlns:a="http://schemas.openxmlformats.org/drawingml/2006/main" xmlns:r="http://schemas.openxmlformats.org/officeDocument/2006/relationships" xmlns:p="http://schemas.openxmlformats.org/presentationml/2006/main" showMasterSp="0" showMasterPhAnim="0">
   <p:cSld>
     <p:spTree>
@@ -1713,7 +2232,7 @@
             </a:pPr>
             <a:fld id="{00000000-1234-1234-1234-123412341234}" type="slidenum">
               <a:rPr lang="ru-RU"/>
-              <a:t>11</a:t>
+              <a:t>10</a:t>
             </a:fld>
             <a:endParaRPr/>
           </a:p>
@@ -1814,7 +2333,7 @@
 </p:notes>
 </file>
 
-<file path=ppt/notesSlides/notesSlide11.xml><?xml version="1.0" encoding="utf-8"?>
+<file path=ppt/notesSlides/notesSlide8.xml><?xml version="1.0" encoding="utf-8"?>
 <p:notes xmlns:a="http://schemas.openxmlformats.org/drawingml/2006/main" xmlns:r="http://schemas.openxmlformats.org/officeDocument/2006/relationships" xmlns:p="http://schemas.openxmlformats.org/presentationml/2006/main" showMasterSp="0" showMasterPhAnim="0">
   <p:cSld>
     <p:spTree>
@@ -1872,838 +2391,6 @@
       <p:sp>
         <p:nvSpPr>
           <p:cNvPr id="164" name="Google Shape;164;p12:notes"/>
-          <p:cNvSpPr>
-            <a:spLocks noGrp="1" noRot="1" noChangeAspect="1"/>
-          </p:cNvSpPr>
-          <p:nvPr>
-            <p:ph type="sldImg" idx="2"/>
-          </p:nvPr>
-        </p:nvSpPr>
-        <p:spPr>
-          <a:xfrm>
-            <a:off x="1143000" y="685800"/>
-            <a:ext cx="4572000" cy="3429000"/>
-          </a:xfrm>
-          <a:custGeom>
-            <a:avLst/>
-            <a:gdLst/>
-            <a:ahLst/>
-            <a:cxnLst/>
-            <a:rect l="l" t="t" r="r" b="b"/>
-            <a:pathLst>
-              <a:path w="120000" h="120000" extrusionOk="0">
-                <a:moveTo>
-                  <a:pt x="0" y="0"/>
-                </a:moveTo>
-                <a:lnTo>
-                  <a:pt x="120000" y="0"/>
-                </a:lnTo>
-                <a:lnTo>
-                  <a:pt x="120000" y="120000"/>
-                </a:lnTo>
-                <a:lnTo>
-                  <a:pt x="0" y="120000"/>
-                </a:lnTo>
-                <a:close/>
-              </a:path>
-            </a:pathLst>
-          </a:custGeom>
-        </p:spPr>
-      </p:sp>
-    </p:spTree>
-  </p:cSld>
-  <p:clrMapOvr>
-    <a:masterClrMapping/>
-  </p:clrMapOvr>
-</p:notes>
-</file>
-
-<file path=ppt/notesSlides/notesSlide2.xml><?xml version="1.0" encoding="utf-8"?>
-<p:notes xmlns:a="http://schemas.openxmlformats.org/drawingml/2006/main" xmlns:r="http://schemas.openxmlformats.org/officeDocument/2006/relationships" xmlns:p="http://schemas.openxmlformats.org/presentationml/2006/main" showMasterSp="0" showMasterPhAnim="0">
-  <p:cSld>
-    <p:spTree>
-      <p:nvGrpSpPr>
-        <p:cNvPr id="1" name="Shape 61"/>
-        <p:cNvGrpSpPr/>
-        <p:nvPr/>
-      </p:nvGrpSpPr>
-      <p:grpSpPr>
-        <a:xfrm>
-          <a:off x="0" y="0"/>
-          <a:ext cx="0" cy="0"/>
-          <a:chOff x="0" y="0"/>
-          <a:chExt cx="0" cy="0"/>
-        </a:xfrm>
-      </p:grpSpPr>
-      <p:sp>
-        <p:nvSpPr>
-          <p:cNvPr id="62" name="Google Shape;62;p3:notes"/>
-          <p:cNvSpPr txBox="1">
-            <a:spLocks noGrp="1"/>
-          </p:cNvSpPr>
-          <p:nvPr>
-            <p:ph type="body" idx="1"/>
-          </p:nvPr>
-        </p:nvSpPr>
-        <p:spPr>
-          <a:xfrm>
-            <a:off x="685800" y="4343400"/>
-            <a:ext cx="5486400" cy="4114800"/>
-          </a:xfrm>
-          <a:prstGeom prst="rect">
-            <a:avLst/>
-          </a:prstGeom>
-        </p:spPr>
-        <p:txBody>
-          <a:bodyPr spcFirstLastPara="1" wrap="square" lIns="91425" tIns="45700" rIns="91425" bIns="45700" anchor="t" anchorCtr="0">
-            <a:noAutofit/>
-          </a:bodyPr>
-          <a:lstStyle/>
-          <a:p>
-            <a:pPr marL="0" lvl="0" indent="0" algn="l" rtl="0">
-              <a:spcBef>
-                <a:spcPts val="360"/>
-              </a:spcBef>
-              <a:spcAft>
-                <a:spcPts val="0"/>
-              </a:spcAft>
-              <a:buNone/>
-            </a:pPr>
-            <a:endParaRPr/>
-          </a:p>
-        </p:txBody>
-      </p:sp>
-      <p:sp>
-        <p:nvSpPr>
-          <p:cNvPr id="63" name="Google Shape;63;p3:notes"/>
-          <p:cNvSpPr>
-            <a:spLocks noGrp="1" noRot="1" noChangeAspect="1"/>
-          </p:cNvSpPr>
-          <p:nvPr>
-            <p:ph type="sldImg" idx="2"/>
-          </p:nvPr>
-        </p:nvSpPr>
-        <p:spPr>
-          <a:xfrm>
-            <a:off x="1143000" y="685800"/>
-            <a:ext cx="4572000" cy="3429000"/>
-          </a:xfrm>
-          <a:custGeom>
-            <a:avLst/>
-            <a:gdLst/>
-            <a:ahLst/>
-            <a:cxnLst/>
-            <a:rect l="l" t="t" r="r" b="b"/>
-            <a:pathLst>
-              <a:path w="120000" h="120000" extrusionOk="0">
-                <a:moveTo>
-                  <a:pt x="0" y="0"/>
-                </a:moveTo>
-                <a:lnTo>
-                  <a:pt x="120000" y="0"/>
-                </a:lnTo>
-                <a:lnTo>
-                  <a:pt x="120000" y="120000"/>
-                </a:lnTo>
-                <a:lnTo>
-                  <a:pt x="0" y="120000"/>
-                </a:lnTo>
-                <a:close/>
-              </a:path>
-            </a:pathLst>
-          </a:custGeom>
-        </p:spPr>
-      </p:sp>
-    </p:spTree>
-  </p:cSld>
-  <p:clrMapOvr>
-    <a:masterClrMapping/>
-  </p:clrMapOvr>
-</p:notes>
-</file>
-
-<file path=ppt/notesSlides/notesSlide3.xml><?xml version="1.0" encoding="utf-8"?>
-<p:notes xmlns:a="http://schemas.openxmlformats.org/drawingml/2006/main" xmlns:r="http://schemas.openxmlformats.org/officeDocument/2006/relationships" xmlns:p="http://schemas.openxmlformats.org/presentationml/2006/main" showMasterSp="0" showMasterPhAnim="0">
-  <p:cSld>
-    <p:spTree>
-      <p:nvGrpSpPr>
-        <p:cNvPr id="1" name="Shape 74"/>
-        <p:cNvGrpSpPr/>
-        <p:nvPr/>
-      </p:nvGrpSpPr>
-      <p:grpSpPr>
-        <a:xfrm>
-          <a:off x="0" y="0"/>
-          <a:ext cx="0" cy="0"/>
-          <a:chOff x="0" y="0"/>
-          <a:chExt cx="0" cy="0"/>
-        </a:xfrm>
-      </p:grpSpPr>
-      <p:sp>
-        <p:nvSpPr>
-          <p:cNvPr id="75" name="Google Shape;75;p4:notes"/>
-          <p:cNvSpPr txBox="1">
-            <a:spLocks noGrp="1"/>
-          </p:cNvSpPr>
-          <p:nvPr>
-            <p:ph type="body" idx="1"/>
-          </p:nvPr>
-        </p:nvSpPr>
-        <p:spPr>
-          <a:xfrm>
-            <a:off x="685800" y="4343400"/>
-            <a:ext cx="5486400" cy="4114800"/>
-          </a:xfrm>
-          <a:prstGeom prst="rect">
-            <a:avLst/>
-          </a:prstGeom>
-        </p:spPr>
-        <p:txBody>
-          <a:bodyPr spcFirstLastPara="1" wrap="square" lIns="91425" tIns="45700" rIns="91425" bIns="45700" anchor="t" anchorCtr="0">
-            <a:noAutofit/>
-          </a:bodyPr>
-          <a:lstStyle/>
-          <a:p>
-            <a:pPr marL="0" lvl="0" indent="0" algn="l" rtl="0">
-              <a:spcBef>
-                <a:spcPts val="360"/>
-              </a:spcBef>
-              <a:spcAft>
-                <a:spcPts val="0"/>
-              </a:spcAft>
-              <a:buNone/>
-            </a:pPr>
-            <a:endParaRPr/>
-          </a:p>
-        </p:txBody>
-      </p:sp>
-      <p:sp>
-        <p:nvSpPr>
-          <p:cNvPr id="76" name="Google Shape;76;p4:notes"/>
-          <p:cNvSpPr>
-            <a:spLocks noGrp="1" noRot="1" noChangeAspect="1"/>
-          </p:cNvSpPr>
-          <p:nvPr>
-            <p:ph type="sldImg" idx="2"/>
-          </p:nvPr>
-        </p:nvSpPr>
-        <p:spPr>
-          <a:xfrm>
-            <a:off x="1143000" y="685800"/>
-            <a:ext cx="4572000" cy="3429000"/>
-          </a:xfrm>
-          <a:custGeom>
-            <a:avLst/>
-            <a:gdLst/>
-            <a:ahLst/>
-            <a:cxnLst/>
-            <a:rect l="l" t="t" r="r" b="b"/>
-            <a:pathLst>
-              <a:path w="120000" h="120000" extrusionOk="0">
-                <a:moveTo>
-                  <a:pt x="0" y="0"/>
-                </a:moveTo>
-                <a:lnTo>
-                  <a:pt x="120000" y="0"/>
-                </a:lnTo>
-                <a:lnTo>
-                  <a:pt x="120000" y="120000"/>
-                </a:lnTo>
-                <a:lnTo>
-                  <a:pt x="0" y="120000"/>
-                </a:lnTo>
-                <a:close/>
-              </a:path>
-            </a:pathLst>
-          </a:custGeom>
-        </p:spPr>
-      </p:sp>
-    </p:spTree>
-  </p:cSld>
-  <p:clrMapOvr>
-    <a:masterClrMapping/>
-  </p:clrMapOvr>
-</p:notes>
-</file>
-
-<file path=ppt/notesSlides/notesSlide4.xml><?xml version="1.0" encoding="utf-8"?>
-<p:notes xmlns:a="http://schemas.openxmlformats.org/drawingml/2006/main" xmlns:r="http://schemas.openxmlformats.org/officeDocument/2006/relationships" xmlns:p="http://schemas.openxmlformats.org/presentationml/2006/main" showMasterSp="0" showMasterPhAnim="0">
-  <p:cSld>
-    <p:spTree>
-      <p:nvGrpSpPr>
-        <p:cNvPr id="1" name="Shape 85"/>
-        <p:cNvGrpSpPr/>
-        <p:nvPr/>
-      </p:nvGrpSpPr>
-      <p:grpSpPr>
-        <a:xfrm>
-          <a:off x="0" y="0"/>
-          <a:ext cx="0" cy="0"/>
-          <a:chOff x="0" y="0"/>
-          <a:chExt cx="0" cy="0"/>
-        </a:xfrm>
-      </p:grpSpPr>
-      <p:sp>
-        <p:nvSpPr>
-          <p:cNvPr id="86" name="Google Shape;86;p5:notes"/>
-          <p:cNvSpPr txBox="1">
-            <a:spLocks noGrp="1"/>
-          </p:cNvSpPr>
-          <p:nvPr>
-            <p:ph type="body" idx="1"/>
-          </p:nvPr>
-        </p:nvSpPr>
-        <p:spPr>
-          <a:xfrm>
-            <a:off x="685800" y="4343400"/>
-            <a:ext cx="5486400" cy="4114800"/>
-          </a:xfrm>
-          <a:prstGeom prst="rect">
-            <a:avLst/>
-          </a:prstGeom>
-        </p:spPr>
-        <p:txBody>
-          <a:bodyPr spcFirstLastPara="1" wrap="square" lIns="91425" tIns="45700" rIns="91425" bIns="45700" anchor="t" anchorCtr="0">
-            <a:noAutofit/>
-          </a:bodyPr>
-          <a:lstStyle/>
-          <a:p>
-            <a:pPr marL="0" lvl="0" indent="0" algn="l" rtl="0">
-              <a:spcBef>
-                <a:spcPts val="360"/>
-              </a:spcBef>
-              <a:spcAft>
-                <a:spcPts val="0"/>
-              </a:spcAft>
-              <a:buNone/>
-            </a:pPr>
-            <a:endParaRPr/>
-          </a:p>
-        </p:txBody>
-      </p:sp>
-      <p:sp>
-        <p:nvSpPr>
-          <p:cNvPr id="87" name="Google Shape;87;p5:notes"/>
-          <p:cNvSpPr>
-            <a:spLocks noGrp="1" noRot="1" noChangeAspect="1"/>
-          </p:cNvSpPr>
-          <p:nvPr>
-            <p:ph type="sldImg" idx="2"/>
-          </p:nvPr>
-        </p:nvSpPr>
-        <p:spPr>
-          <a:xfrm>
-            <a:off x="1143000" y="685800"/>
-            <a:ext cx="4572000" cy="3429000"/>
-          </a:xfrm>
-          <a:custGeom>
-            <a:avLst/>
-            <a:gdLst/>
-            <a:ahLst/>
-            <a:cxnLst/>
-            <a:rect l="l" t="t" r="r" b="b"/>
-            <a:pathLst>
-              <a:path w="120000" h="120000" extrusionOk="0">
-                <a:moveTo>
-                  <a:pt x="0" y="0"/>
-                </a:moveTo>
-                <a:lnTo>
-                  <a:pt x="120000" y="0"/>
-                </a:lnTo>
-                <a:lnTo>
-                  <a:pt x="120000" y="120000"/>
-                </a:lnTo>
-                <a:lnTo>
-                  <a:pt x="0" y="120000"/>
-                </a:lnTo>
-                <a:close/>
-              </a:path>
-            </a:pathLst>
-          </a:custGeom>
-        </p:spPr>
-      </p:sp>
-    </p:spTree>
-  </p:cSld>
-  <p:clrMapOvr>
-    <a:masterClrMapping/>
-  </p:clrMapOvr>
-</p:notes>
-</file>
-
-<file path=ppt/notesSlides/notesSlide5.xml><?xml version="1.0" encoding="utf-8"?>
-<p:notes xmlns:a="http://schemas.openxmlformats.org/drawingml/2006/main" xmlns:r="http://schemas.openxmlformats.org/officeDocument/2006/relationships" xmlns:p="http://schemas.openxmlformats.org/presentationml/2006/main" showMasterSp="0" showMasterPhAnim="0">
-  <p:cSld>
-    <p:spTree>
-      <p:nvGrpSpPr>
-        <p:cNvPr id="1" name="Shape 96"/>
-        <p:cNvGrpSpPr/>
-        <p:nvPr/>
-      </p:nvGrpSpPr>
-      <p:grpSpPr>
-        <a:xfrm>
-          <a:off x="0" y="0"/>
-          <a:ext cx="0" cy="0"/>
-          <a:chOff x="0" y="0"/>
-          <a:chExt cx="0" cy="0"/>
-        </a:xfrm>
-      </p:grpSpPr>
-      <p:sp>
-        <p:nvSpPr>
-          <p:cNvPr id="97" name="Google Shape;97;p6:notes"/>
-          <p:cNvSpPr txBox="1">
-            <a:spLocks noGrp="1"/>
-          </p:cNvSpPr>
-          <p:nvPr>
-            <p:ph type="body" idx="1"/>
-          </p:nvPr>
-        </p:nvSpPr>
-        <p:spPr>
-          <a:xfrm>
-            <a:off x="685800" y="4343400"/>
-            <a:ext cx="5486400" cy="4114800"/>
-          </a:xfrm>
-          <a:prstGeom prst="rect">
-            <a:avLst/>
-          </a:prstGeom>
-        </p:spPr>
-        <p:txBody>
-          <a:bodyPr spcFirstLastPara="1" wrap="square" lIns="91425" tIns="45700" rIns="91425" bIns="45700" anchor="t" anchorCtr="0">
-            <a:noAutofit/>
-          </a:bodyPr>
-          <a:lstStyle/>
-          <a:p>
-            <a:pPr marL="0" lvl="0" indent="0" algn="l" rtl="0">
-              <a:spcBef>
-                <a:spcPts val="360"/>
-              </a:spcBef>
-              <a:spcAft>
-                <a:spcPts val="0"/>
-              </a:spcAft>
-              <a:buNone/>
-            </a:pPr>
-            <a:endParaRPr/>
-          </a:p>
-        </p:txBody>
-      </p:sp>
-      <p:sp>
-        <p:nvSpPr>
-          <p:cNvPr id="98" name="Google Shape;98;p6:notes"/>
-          <p:cNvSpPr>
-            <a:spLocks noGrp="1" noRot="1" noChangeAspect="1"/>
-          </p:cNvSpPr>
-          <p:nvPr>
-            <p:ph type="sldImg" idx="2"/>
-          </p:nvPr>
-        </p:nvSpPr>
-        <p:spPr>
-          <a:xfrm>
-            <a:off x="1143000" y="685800"/>
-            <a:ext cx="4572000" cy="3429000"/>
-          </a:xfrm>
-          <a:custGeom>
-            <a:avLst/>
-            <a:gdLst/>
-            <a:ahLst/>
-            <a:cxnLst/>
-            <a:rect l="l" t="t" r="r" b="b"/>
-            <a:pathLst>
-              <a:path w="120000" h="120000" extrusionOk="0">
-                <a:moveTo>
-                  <a:pt x="0" y="0"/>
-                </a:moveTo>
-                <a:lnTo>
-                  <a:pt x="120000" y="0"/>
-                </a:lnTo>
-                <a:lnTo>
-                  <a:pt x="120000" y="120000"/>
-                </a:lnTo>
-                <a:lnTo>
-                  <a:pt x="0" y="120000"/>
-                </a:lnTo>
-                <a:close/>
-              </a:path>
-            </a:pathLst>
-          </a:custGeom>
-        </p:spPr>
-      </p:sp>
-    </p:spTree>
-  </p:cSld>
-  <p:clrMapOvr>
-    <a:masterClrMapping/>
-  </p:clrMapOvr>
-</p:notes>
-</file>
-
-<file path=ppt/notesSlides/notesSlide6.xml><?xml version="1.0" encoding="utf-8"?>
-<p:notes xmlns:a="http://schemas.openxmlformats.org/drawingml/2006/main" xmlns:r="http://schemas.openxmlformats.org/officeDocument/2006/relationships" xmlns:p="http://schemas.openxmlformats.org/presentationml/2006/main" showMasterSp="0" showMasterPhAnim="0">
-  <p:cSld>
-    <p:spTree>
-      <p:nvGrpSpPr>
-        <p:cNvPr id="1" name="Shape 106"/>
-        <p:cNvGrpSpPr/>
-        <p:nvPr/>
-      </p:nvGrpSpPr>
-      <p:grpSpPr>
-        <a:xfrm>
-          <a:off x="0" y="0"/>
-          <a:ext cx="0" cy="0"/>
-          <a:chOff x="0" y="0"/>
-          <a:chExt cx="0" cy="0"/>
-        </a:xfrm>
-      </p:grpSpPr>
-      <p:sp>
-        <p:nvSpPr>
-          <p:cNvPr id="107" name="Google Shape;107;p7:notes"/>
-          <p:cNvSpPr txBox="1">
-            <a:spLocks noGrp="1"/>
-          </p:cNvSpPr>
-          <p:nvPr>
-            <p:ph type="body" idx="1"/>
-          </p:nvPr>
-        </p:nvSpPr>
-        <p:spPr>
-          <a:xfrm>
-            <a:off x="685800" y="4343400"/>
-            <a:ext cx="5486400" cy="4114800"/>
-          </a:xfrm>
-          <a:prstGeom prst="rect">
-            <a:avLst/>
-          </a:prstGeom>
-        </p:spPr>
-        <p:txBody>
-          <a:bodyPr spcFirstLastPara="1" wrap="square" lIns="91425" tIns="45700" rIns="91425" bIns="45700" anchor="t" anchorCtr="0">
-            <a:noAutofit/>
-          </a:bodyPr>
-          <a:lstStyle/>
-          <a:p>
-            <a:pPr marL="0" lvl="0" indent="0" algn="l" rtl="0">
-              <a:spcBef>
-                <a:spcPts val="360"/>
-              </a:spcBef>
-              <a:spcAft>
-                <a:spcPts val="0"/>
-              </a:spcAft>
-              <a:buNone/>
-            </a:pPr>
-            <a:endParaRPr/>
-          </a:p>
-        </p:txBody>
-      </p:sp>
-      <p:sp>
-        <p:nvSpPr>
-          <p:cNvPr id="108" name="Google Shape;108;p7:notes"/>
-          <p:cNvSpPr>
-            <a:spLocks noGrp="1" noRot="1" noChangeAspect="1"/>
-          </p:cNvSpPr>
-          <p:nvPr>
-            <p:ph type="sldImg" idx="2"/>
-          </p:nvPr>
-        </p:nvSpPr>
-        <p:spPr>
-          <a:xfrm>
-            <a:off x="1143000" y="685800"/>
-            <a:ext cx="4572000" cy="3429000"/>
-          </a:xfrm>
-          <a:custGeom>
-            <a:avLst/>
-            <a:gdLst/>
-            <a:ahLst/>
-            <a:cxnLst/>
-            <a:rect l="l" t="t" r="r" b="b"/>
-            <a:pathLst>
-              <a:path w="120000" h="120000" extrusionOk="0">
-                <a:moveTo>
-                  <a:pt x="0" y="0"/>
-                </a:moveTo>
-                <a:lnTo>
-                  <a:pt x="120000" y="0"/>
-                </a:lnTo>
-                <a:lnTo>
-                  <a:pt x="120000" y="120000"/>
-                </a:lnTo>
-                <a:lnTo>
-                  <a:pt x="0" y="120000"/>
-                </a:lnTo>
-                <a:close/>
-              </a:path>
-            </a:pathLst>
-          </a:custGeom>
-        </p:spPr>
-      </p:sp>
-    </p:spTree>
-  </p:cSld>
-  <p:clrMapOvr>
-    <a:masterClrMapping/>
-  </p:clrMapOvr>
-</p:notes>
-</file>
-
-<file path=ppt/notesSlides/notesSlide7.xml><?xml version="1.0" encoding="utf-8"?>
-<p:notes xmlns:a="http://schemas.openxmlformats.org/drawingml/2006/main" xmlns:r="http://schemas.openxmlformats.org/officeDocument/2006/relationships" xmlns:p="http://schemas.openxmlformats.org/presentationml/2006/main" showMasterSp="0" showMasterPhAnim="0">
-  <p:cSld>
-    <p:spTree>
-      <p:nvGrpSpPr>
-        <p:cNvPr id="1" name="Shape 118"/>
-        <p:cNvGrpSpPr/>
-        <p:nvPr/>
-      </p:nvGrpSpPr>
-      <p:grpSpPr>
-        <a:xfrm>
-          <a:off x="0" y="0"/>
-          <a:ext cx="0" cy="0"/>
-          <a:chOff x="0" y="0"/>
-          <a:chExt cx="0" cy="0"/>
-        </a:xfrm>
-      </p:grpSpPr>
-      <p:sp>
-        <p:nvSpPr>
-          <p:cNvPr id="119" name="Google Shape;119;p8:notes"/>
-          <p:cNvSpPr txBox="1">
-            <a:spLocks noGrp="1"/>
-          </p:cNvSpPr>
-          <p:nvPr>
-            <p:ph type="body" idx="1"/>
-          </p:nvPr>
-        </p:nvSpPr>
-        <p:spPr>
-          <a:xfrm>
-            <a:off x="685800" y="4343400"/>
-            <a:ext cx="5486400" cy="4114800"/>
-          </a:xfrm>
-          <a:prstGeom prst="rect">
-            <a:avLst/>
-          </a:prstGeom>
-        </p:spPr>
-        <p:txBody>
-          <a:bodyPr spcFirstLastPara="1" wrap="square" lIns="91425" tIns="45700" rIns="91425" bIns="45700" anchor="t" anchorCtr="0">
-            <a:noAutofit/>
-          </a:bodyPr>
-          <a:lstStyle/>
-          <a:p>
-            <a:pPr marL="0" lvl="0" indent="0" algn="l" rtl="0">
-              <a:spcBef>
-                <a:spcPts val="360"/>
-              </a:spcBef>
-              <a:spcAft>
-                <a:spcPts val="0"/>
-              </a:spcAft>
-              <a:buNone/>
-            </a:pPr>
-            <a:endParaRPr/>
-          </a:p>
-        </p:txBody>
-      </p:sp>
-      <p:sp>
-        <p:nvSpPr>
-          <p:cNvPr id="120" name="Google Shape;120;p8:notes"/>
-          <p:cNvSpPr>
-            <a:spLocks noGrp="1" noRot="1" noChangeAspect="1"/>
-          </p:cNvSpPr>
-          <p:nvPr>
-            <p:ph type="sldImg" idx="2"/>
-          </p:nvPr>
-        </p:nvSpPr>
-        <p:spPr>
-          <a:xfrm>
-            <a:off x="1143000" y="685800"/>
-            <a:ext cx="4572000" cy="3429000"/>
-          </a:xfrm>
-          <a:custGeom>
-            <a:avLst/>
-            <a:gdLst/>
-            <a:ahLst/>
-            <a:cxnLst/>
-            <a:rect l="l" t="t" r="r" b="b"/>
-            <a:pathLst>
-              <a:path w="120000" h="120000" extrusionOk="0">
-                <a:moveTo>
-                  <a:pt x="0" y="0"/>
-                </a:moveTo>
-                <a:lnTo>
-                  <a:pt x="120000" y="0"/>
-                </a:lnTo>
-                <a:lnTo>
-                  <a:pt x="120000" y="120000"/>
-                </a:lnTo>
-                <a:lnTo>
-                  <a:pt x="0" y="120000"/>
-                </a:lnTo>
-                <a:close/>
-              </a:path>
-            </a:pathLst>
-          </a:custGeom>
-        </p:spPr>
-      </p:sp>
-    </p:spTree>
-  </p:cSld>
-  <p:clrMapOvr>
-    <a:masterClrMapping/>
-  </p:clrMapOvr>
-</p:notes>
-</file>
-
-<file path=ppt/notesSlides/notesSlide8.xml><?xml version="1.0" encoding="utf-8"?>
-<p:notes xmlns:a="http://schemas.openxmlformats.org/drawingml/2006/main" xmlns:r="http://schemas.openxmlformats.org/officeDocument/2006/relationships" xmlns:p="http://schemas.openxmlformats.org/presentationml/2006/main" showMasterSp="0" showMasterPhAnim="0">
-  <p:cSld>
-    <p:spTree>
-      <p:nvGrpSpPr>
-        <p:cNvPr id="1" name="Shape 133"/>
-        <p:cNvGrpSpPr/>
-        <p:nvPr/>
-      </p:nvGrpSpPr>
-      <p:grpSpPr>
-        <a:xfrm>
-          <a:off x="0" y="0"/>
-          <a:ext cx="0" cy="0"/>
-          <a:chOff x="0" y="0"/>
-          <a:chExt cx="0" cy="0"/>
-        </a:xfrm>
-      </p:grpSpPr>
-      <p:sp>
-        <p:nvSpPr>
-          <p:cNvPr id="134" name="Google Shape;134;p9:notes"/>
-          <p:cNvSpPr txBox="1">
-            <a:spLocks noGrp="1"/>
-          </p:cNvSpPr>
-          <p:nvPr>
-            <p:ph type="body" idx="1"/>
-          </p:nvPr>
-        </p:nvSpPr>
-        <p:spPr>
-          <a:xfrm>
-            <a:off x="685800" y="4343400"/>
-            <a:ext cx="5486400" cy="4114800"/>
-          </a:xfrm>
-          <a:prstGeom prst="rect">
-            <a:avLst/>
-          </a:prstGeom>
-        </p:spPr>
-        <p:txBody>
-          <a:bodyPr spcFirstLastPara="1" wrap="square" lIns="91425" tIns="45700" rIns="91425" bIns="45700" anchor="t" anchorCtr="0">
-            <a:noAutofit/>
-          </a:bodyPr>
-          <a:lstStyle/>
-          <a:p>
-            <a:pPr marL="0" lvl="0" indent="0" algn="l" rtl="0">
-              <a:spcBef>
-                <a:spcPts val="360"/>
-              </a:spcBef>
-              <a:spcAft>
-                <a:spcPts val="0"/>
-              </a:spcAft>
-              <a:buNone/>
-            </a:pPr>
-            <a:endParaRPr/>
-          </a:p>
-        </p:txBody>
-      </p:sp>
-      <p:sp>
-        <p:nvSpPr>
-          <p:cNvPr id="135" name="Google Shape;135;p9:notes"/>
-          <p:cNvSpPr>
-            <a:spLocks noGrp="1" noRot="1" noChangeAspect="1"/>
-          </p:cNvSpPr>
-          <p:nvPr>
-            <p:ph type="sldImg" idx="2"/>
-          </p:nvPr>
-        </p:nvSpPr>
-        <p:spPr>
-          <a:xfrm>
-            <a:off x="1143000" y="685800"/>
-            <a:ext cx="4572000" cy="3429000"/>
-          </a:xfrm>
-          <a:custGeom>
-            <a:avLst/>
-            <a:gdLst/>
-            <a:ahLst/>
-            <a:cxnLst/>
-            <a:rect l="l" t="t" r="r" b="b"/>
-            <a:pathLst>
-              <a:path w="120000" h="120000" extrusionOk="0">
-                <a:moveTo>
-                  <a:pt x="0" y="0"/>
-                </a:moveTo>
-                <a:lnTo>
-                  <a:pt x="120000" y="0"/>
-                </a:lnTo>
-                <a:lnTo>
-                  <a:pt x="120000" y="120000"/>
-                </a:lnTo>
-                <a:lnTo>
-                  <a:pt x="0" y="120000"/>
-                </a:lnTo>
-                <a:close/>
-              </a:path>
-            </a:pathLst>
-          </a:custGeom>
-        </p:spPr>
-      </p:sp>
-    </p:spTree>
-  </p:cSld>
-  <p:clrMapOvr>
-    <a:masterClrMapping/>
-  </p:clrMapOvr>
-</p:notes>
-</file>
-
-<file path=ppt/notesSlides/notesSlide9.xml><?xml version="1.0" encoding="utf-8"?>
-<p:notes xmlns:a="http://schemas.openxmlformats.org/drawingml/2006/main" xmlns:r="http://schemas.openxmlformats.org/officeDocument/2006/relationships" xmlns:p="http://schemas.openxmlformats.org/presentationml/2006/main" showMasterSp="0" showMasterPhAnim="0">
-  <p:cSld>
-    <p:spTree>
-      <p:nvGrpSpPr>
-        <p:cNvPr id="1" name="Shape 146"/>
-        <p:cNvGrpSpPr/>
-        <p:nvPr/>
-      </p:nvGrpSpPr>
-      <p:grpSpPr>
-        <a:xfrm>
-          <a:off x="0" y="0"/>
-          <a:ext cx="0" cy="0"/>
-          <a:chOff x="0" y="0"/>
-          <a:chExt cx="0" cy="0"/>
-        </a:xfrm>
-      </p:grpSpPr>
-      <p:sp>
-        <p:nvSpPr>
-          <p:cNvPr id="147" name="Google Shape;147;p10:notes"/>
-          <p:cNvSpPr txBox="1">
-            <a:spLocks noGrp="1"/>
-          </p:cNvSpPr>
-          <p:nvPr>
-            <p:ph type="body" idx="1"/>
-          </p:nvPr>
-        </p:nvSpPr>
-        <p:spPr>
-          <a:xfrm>
-            <a:off x="685800" y="4343400"/>
-            <a:ext cx="5486400" cy="4114800"/>
-          </a:xfrm>
-          <a:prstGeom prst="rect">
-            <a:avLst/>
-          </a:prstGeom>
-        </p:spPr>
-        <p:txBody>
-          <a:bodyPr spcFirstLastPara="1" wrap="square" lIns="91425" tIns="45700" rIns="91425" bIns="45700" anchor="t" anchorCtr="0">
-            <a:noAutofit/>
-          </a:bodyPr>
-          <a:lstStyle/>
-          <a:p>
-            <a:pPr marL="0" lvl="0" indent="0" algn="l" rtl="0">
-              <a:spcBef>
-                <a:spcPts val="360"/>
-              </a:spcBef>
-              <a:spcAft>
-                <a:spcPts val="0"/>
-              </a:spcAft>
-              <a:buNone/>
-            </a:pPr>
-            <a:endParaRPr/>
-          </a:p>
-        </p:txBody>
-      </p:sp>
-      <p:sp>
-        <p:nvSpPr>
-          <p:cNvPr id="148" name="Google Shape;148;p10:notes"/>
           <p:cNvSpPr>
             <a:spLocks noGrp="1" noRot="1" noChangeAspect="1"/>
           </p:cNvSpPr>
@@ -8313,59 +8000,6 @@
   <p:cSld>
     <p:spTree>
       <p:nvGrpSpPr>
-        <p:cNvPr id="1" name="Shape 149"/>
-        <p:cNvGrpSpPr/>
-        <p:nvPr/>
-      </p:nvGrpSpPr>
-      <p:grpSpPr>
-        <a:xfrm>
-          <a:off x="0" y="0"/>
-          <a:ext cx="0" cy="0"/>
-          <a:chOff x="0" y="0"/>
-          <a:chExt cx="0" cy="0"/>
-        </a:xfrm>
-      </p:grpSpPr>
-      <p:pic>
-        <p:nvPicPr>
-          <p:cNvPr id="150" name="Google Shape;150;p22"/>
-          <p:cNvPicPr preferRelativeResize="0"/>
-          <p:nvPr/>
-        </p:nvPicPr>
-        <p:blipFill>
-          <a:blip r:embed="rId3">
-            <a:alphaModFix/>
-          </a:blip>
-          <a:stretch>
-            <a:fillRect/>
-          </a:stretch>
-        </p:blipFill>
-        <p:spPr>
-          <a:xfrm>
-            <a:off x="1612800" y="103050"/>
-            <a:ext cx="6002137" cy="6553202"/>
-          </a:xfrm>
-          <a:prstGeom prst="rect">
-            <a:avLst/>
-          </a:prstGeom>
-          <a:noFill/>
-          <a:ln>
-            <a:noFill/>
-          </a:ln>
-        </p:spPr>
-      </p:pic>
-    </p:spTree>
-  </p:cSld>
-  <p:clrMapOvr>
-    <a:masterClrMapping/>
-  </p:clrMapOvr>
-</p:sld>
-</file>
-
-<file path=ppt/slides/slide11.xml><?xml version="1.0" encoding="utf-8"?>
-<p:sld xmlns:a="http://schemas.openxmlformats.org/drawingml/2006/main" xmlns:r="http://schemas.openxmlformats.org/officeDocument/2006/relationships" xmlns:p="http://schemas.openxmlformats.org/presentationml/2006/main">
-  <p:cSld>
-    <p:spTree>
-      <p:nvGrpSpPr>
         <p:cNvPr id="1" name="Shape 155"/>
         <p:cNvGrpSpPr/>
         <p:nvPr/>
@@ -8575,7 +8209,7 @@
 </p:sld>
 </file>
 
-<file path=ppt/slides/slide12.xml><?xml version="1.0" encoding="utf-8"?>
+<file path=ppt/slides/slide11.xml><?xml version="1.0" encoding="utf-8"?>
 <p:sld xmlns:a="http://schemas.openxmlformats.org/drawingml/2006/main" xmlns:r="http://schemas.openxmlformats.org/officeDocument/2006/relationships" xmlns:p="http://schemas.openxmlformats.org/presentationml/2006/main">
   <p:cSld>
     <p:spTree>
@@ -8758,7 +8392,7 @@
 </p:sld>
 </file>
 
-<file path=ppt/slides/slide13.xml><?xml version="1.0" encoding="utf-8"?>
+<file path=ppt/slides/slide12.xml><?xml version="1.0" encoding="utf-8"?>
 <p:sld xmlns:a="http://schemas.openxmlformats.org/drawingml/2006/main" xmlns:r="http://schemas.openxmlformats.org/officeDocument/2006/relationships" xmlns:p="http://schemas.openxmlformats.org/presentationml/2006/main">
   <p:cSld>
     <p:bg>
@@ -8834,6 +8468,20 @@
 <file path=ppt/slides/slide2.xml><?xml version="1.0" encoding="utf-8"?>
 <p:sld xmlns:a="http://schemas.openxmlformats.org/drawingml/2006/main" xmlns:r="http://schemas.openxmlformats.org/officeDocument/2006/relationships" xmlns:p="http://schemas.openxmlformats.org/presentationml/2006/main">
   <p:cSld>
+    <p:bg>
+      <p:bgPr>
+        <a:blipFill dpi="0" rotWithShape="1">
+          <a:blip r:embed="rId2">
+            <a:lum/>
+          </a:blip>
+          <a:srcRect/>
+          <a:stretch>
+            <a:fillRect l="-6000" r="-6000"/>
+          </a:stretch>
+        </a:blipFill>
+        <a:effectLst/>
+      </p:bgPr>
+    </p:bg>
     <p:spTree>
       <p:nvGrpSpPr>
         <p:cNvPr id="1" name=""/>
@@ -8877,36 +8525,6 @@
           </a:p>
         </p:txBody>
       </p:sp>
-      <p:pic>
-        <p:nvPicPr>
-          <p:cNvPr id="7" name="Картина 6">
-            <a:extLst>
-              <a:ext uri="{FF2B5EF4-FFF2-40B4-BE49-F238E27FC236}">
-                <a16:creationId xmlns:a16="http://schemas.microsoft.com/office/drawing/2014/main" id="{A7F41574-98EB-4151-80D3-94BD087E8CAE}"/>
-              </a:ext>
-            </a:extLst>
-          </p:cNvPr>
-          <p:cNvPicPr>
-            <a:picLocks noChangeAspect="1"/>
-          </p:cNvPicPr>
-          <p:nvPr/>
-        </p:nvPicPr>
-        <p:blipFill>
-          <a:blip r:embed="rId2"/>
-          <a:stretch>
-            <a:fillRect/>
-          </a:stretch>
-        </p:blipFill>
-        <p:spPr>
-          <a:xfrm>
-            <a:off x="1187450" y="1978702"/>
-            <a:ext cx="7264951" cy="3327816"/>
-          </a:xfrm>
-          <a:prstGeom prst="rect">
-            <a:avLst/>
-          </a:prstGeom>
-        </p:spPr>
-      </p:pic>
       <p:sp>
         <p:nvSpPr>
           <p:cNvPr id="8" name="Текстово поле 7">
@@ -8921,7 +8539,7 @@
         </p:nvSpPr>
         <p:spPr>
           <a:xfrm>
-            <a:off x="2083633" y="5606320"/>
+            <a:off x="385510" y="552698"/>
             <a:ext cx="2488367" cy="1077218"/>
           </a:xfrm>
           <a:prstGeom prst="rect">
@@ -8936,14 +8554,26 @@
           <a:lstStyle/>
           <a:p>
             <a:r>
-              <a:rPr lang="bg-BG" sz="3200" dirty="0"/>
+              <a:rPr lang="bg-BG" sz="3200" dirty="0">
+                <a:solidFill>
+                  <a:schemeClr val="bg1"/>
+                </a:solidFill>
+              </a:rPr>
               <a:t>Христо </a:t>
             </a:r>
             <a:r>
-              <a:rPr lang="bg-BG" sz="3200" dirty="0" err="1"/>
+              <a:rPr lang="bg-BG" sz="3200" dirty="0" err="1">
+                <a:solidFill>
+                  <a:schemeClr val="bg1"/>
+                </a:solidFill>
+              </a:rPr>
               <a:t>Момиров</a:t>
             </a:r>
-            <a:endParaRPr lang="bg-BG" sz="3200" dirty="0"/>
+            <a:endParaRPr lang="bg-BG" sz="3200" dirty="0">
+              <a:solidFill>
+                <a:schemeClr val="bg1"/>
+              </a:solidFill>
+            </a:endParaRPr>
           </a:p>
         </p:txBody>
       </p:sp>
@@ -8961,7 +8591,7 @@
         </p:nvSpPr>
         <p:spPr>
           <a:xfrm>
-            <a:off x="6229385" y="5606320"/>
+            <a:off x="619216" y="3429000"/>
             <a:ext cx="1505540" cy="1077218"/>
           </a:xfrm>
           <a:prstGeom prst="rect">
@@ -8976,18 +8606,60 @@
           <a:lstStyle/>
           <a:p>
             <a:r>
-              <a:rPr lang="bg-BG" sz="3200" dirty="0"/>
+              <a:rPr lang="bg-BG" sz="3200" dirty="0">
+                <a:solidFill>
+                  <a:schemeClr val="bg1">
+                    <a:lumMod val="95000"/>
+                  </a:schemeClr>
+                </a:solidFill>
+              </a:rPr>
               <a:t>Павел </a:t>
             </a:r>
           </a:p>
           <a:p>
             <a:r>
-              <a:rPr lang="bg-BG" sz="3200" dirty="0"/>
+              <a:rPr lang="bg-BG" sz="3200" dirty="0">
+                <a:solidFill>
+                  <a:schemeClr val="bg1">
+                    <a:lumMod val="95000"/>
+                  </a:schemeClr>
+                </a:solidFill>
+              </a:rPr>
               <a:t>Лютов</a:t>
             </a:r>
           </a:p>
         </p:txBody>
       </p:sp>
+      <p:pic>
+        <p:nvPicPr>
+          <p:cNvPr id="4" name="Картина 3" descr="Картина, която съдържа открито, дърво, сняг, небе&#10;&#10;Описанието е генерирано автоматично">
+            <a:extLst>
+              <a:ext uri="{FF2B5EF4-FFF2-40B4-BE49-F238E27FC236}">
+                <a16:creationId xmlns:a16="http://schemas.microsoft.com/office/drawing/2014/main" id="{D72C129A-9325-4276-B9E5-684ACB279080}"/>
+              </a:ext>
+            </a:extLst>
+          </p:cNvPr>
+          <p:cNvPicPr>
+            <a:picLocks noChangeAspect="1"/>
+          </p:cNvPicPr>
+          <p:nvPr/>
+        </p:nvPicPr>
+        <p:blipFill>
+          <a:blip r:embed="rId3"/>
+          <a:stretch>
+            <a:fillRect/>
+          </a:stretch>
+        </p:blipFill>
+        <p:spPr>
+          <a:xfrm>
+            <a:off x="2202610" y="3395415"/>
+            <a:ext cx="2488367" cy="3317823"/>
+          </a:xfrm>
+          <a:prstGeom prst="rect">
+            <a:avLst/>
+          </a:prstGeom>
+        </p:spPr>
+      </p:pic>
     </p:spTree>
     <p:extLst>
       <p:ext uri="{BB962C8B-B14F-4D97-AF65-F5344CB8AC3E}">
@@ -9076,7 +8748,7 @@
         </p:nvSpPr>
         <p:spPr>
           <a:xfrm>
-            <a:off x="-252536" y="1201737"/>
+            <a:off x="190524" y="1446834"/>
             <a:ext cx="7632700" cy="5256213"/>
           </a:xfrm>
           <a:prstGeom prst="rect">
@@ -9108,10 +8780,18 @@
               <a:buChar char="•"/>
             </a:pPr>
             <a:r>
-              <a:rPr lang="ru-RU" b="1"/>
-              <a:t>Нерегистриран потребител</a:t>
-            </a:r>
-            <a:endParaRPr/>
+              <a:rPr lang="ru-RU" b="1" dirty="0" err="1"/>
+              <a:t>Нерегистриран</a:t>
+            </a:r>
+            <a:r>
+              <a:rPr lang="ru-RU" b="1" dirty="0"/>
+              <a:t> </a:t>
+            </a:r>
+            <a:r>
+              <a:rPr lang="ru-RU" b="1" dirty="0" err="1"/>
+              <a:t>потребител</a:t>
+            </a:r>
+            <a:endParaRPr dirty="0"/>
           </a:p>
           <a:p>
             <a:pPr marL="342900" lvl="0" indent="-342900" algn="l" rtl="0">
@@ -9129,27 +8809,30 @@
               <a:buChar char="•"/>
             </a:pPr>
             <a:r>
-              <a:rPr lang="ru-RU" sz="2000"/>
-              <a:t>-да прегледа всички кина</a:t>
-            </a:r>
-            <a:endParaRPr sz="2000"/>
-          </a:p>
-          <a:p>
-            <a:pPr marL="342900" lvl="0" indent="-215900" algn="l" rtl="0">
-              <a:spcBef>
-                <a:spcPts val="400"/>
-              </a:spcBef>
-              <a:spcAft>
-                <a:spcPts val="0"/>
-              </a:spcAft>
-              <a:buClr>
-                <a:schemeClr val="dk1"/>
-              </a:buClr>
-              <a:buSzPts val="2000"/>
-              <a:buFont typeface="Arial"/>
-              <a:buNone/>
-            </a:pPr>
-            <a:endParaRPr sz="2000"/>
+              <a:rPr lang="ru-RU" sz="2000" dirty="0"/>
+              <a:t>-да </a:t>
+            </a:r>
+            <a:r>
+              <a:rPr lang="ru-RU" sz="2000" dirty="0" err="1"/>
+              <a:t>прегледа</a:t>
+            </a:r>
+            <a:r>
+              <a:rPr lang="ru-RU" sz="2000" dirty="0"/>
+              <a:t> </a:t>
+            </a:r>
+            <a:r>
+              <a:rPr lang="ru-RU" sz="2000" dirty="0" err="1"/>
+              <a:t>всички</a:t>
+            </a:r>
+            <a:r>
+              <a:rPr lang="ru-RU" sz="2000" dirty="0"/>
+              <a:t> </a:t>
+            </a:r>
+            <a:r>
+              <a:rPr lang="ru-RU" sz="2000" dirty="0" err="1"/>
+              <a:t>кина</a:t>
+            </a:r>
+            <a:endParaRPr sz="2000" dirty="0"/>
           </a:p>
           <a:p>
             <a:pPr marL="342900" lvl="0" indent="-342900" algn="l" rtl="0">
@@ -9167,27 +8850,34 @@
               <a:buChar char="•"/>
             </a:pPr>
             <a:r>
-              <a:rPr lang="ru-RU" sz="2000"/>
-              <a:t>-да прегледа всички кина в даден град</a:t>
-            </a:r>
-            <a:endParaRPr sz="2000"/>
-          </a:p>
-          <a:p>
-            <a:pPr marL="342900" lvl="0" indent="-215900" algn="l" rtl="0">
-              <a:spcBef>
-                <a:spcPts val="400"/>
-              </a:spcBef>
-              <a:spcAft>
-                <a:spcPts val="0"/>
-              </a:spcAft>
-              <a:buClr>
-                <a:schemeClr val="dk1"/>
-              </a:buClr>
-              <a:buSzPts val="2000"/>
-              <a:buFont typeface="Arial"/>
-              <a:buNone/>
-            </a:pPr>
-            <a:endParaRPr sz="2000"/>
+              <a:rPr lang="ru-RU" sz="2000" dirty="0"/>
+              <a:t>-да </a:t>
+            </a:r>
+            <a:r>
+              <a:rPr lang="ru-RU" sz="2000" dirty="0" err="1"/>
+              <a:t>прегледа</a:t>
+            </a:r>
+            <a:r>
+              <a:rPr lang="ru-RU" sz="2000" dirty="0"/>
+              <a:t> </a:t>
+            </a:r>
+            <a:r>
+              <a:rPr lang="ru-RU" sz="2000" dirty="0" err="1"/>
+              <a:t>всички</a:t>
+            </a:r>
+            <a:r>
+              <a:rPr lang="ru-RU" sz="2000" dirty="0"/>
+              <a:t> </a:t>
+            </a:r>
+            <a:r>
+              <a:rPr lang="ru-RU" sz="2000" dirty="0" err="1"/>
+              <a:t>кина</a:t>
+            </a:r>
+            <a:r>
+              <a:rPr lang="ru-RU" sz="2000" dirty="0"/>
+              <a:t> в даден град</a:t>
+            </a:r>
+            <a:endParaRPr sz="2000" dirty="0"/>
           </a:p>
           <a:p>
             <a:pPr marL="342900" lvl="0" indent="-342900" algn="l" rtl="0">
@@ -9205,27 +8895,34 @@
               <a:buChar char="•"/>
             </a:pPr>
             <a:r>
-              <a:rPr lang="ru-RU" sz="2000"/>
-              <a:t>-да прегледа всички прожекции по даден жанр</a:t>
-            </a:r>
-            <a:endParaRPr sz="2000"/>
-          </a:p>
-          <a:p>
-            <a:pPr marL="342900" lvl="0" indent="-215900" algn="l" rtl="0">
-              <a:spcBef>
-                <a:spcPts val="400"/>
-              </a:spcBef>
-              <a:spcAft>
-                <a:spcPts val="0"/>
-              </a:spcAft>
-              <a:buClr>
-                <a:schemeClr val="dk1"/>
-              </a:buClr>
-              <a:buSzPts val="2000"/>
-              <a:buFont typeface="Arial"/>
-              <a:buNone/>
-            </a:pPr>
-            <a:endParaRPr sz="2000"/>
+              <a:rPr lang="ru-RU" sz="2000" dirty="0"/>
+              <a:t>-да </a:t>
+            </a:r>
+            <a:r>
+              <a:rPr lang="ru-RU" sz="2000" dirty="0" err="1"/>
+              <a:t>прегледа</a:t>
+            </a:r>
+            <a:r>
+              <a:rPr lang="ru-RU" sz="2000" dirty="0"/>
+              <a:t> </a:t>
+            </a:r>
+            <a:r>
+              <a:rPr lang="ru-RU" sz="2000" dirty="0" err="1"/>
+              <a:t>всички</a:t>
+            </a:r>
+            <a:r>
+              <a:rPr lang="ru-RU" sz="2000" dirty="0"/>
+              <a:t> </a:t>
+            </a:r>
+            <a:r>
+              <a:rPr lang="ru-RU" sz="2000" dirty="0" err="1"/>
+              <a:t>прожекции</a:t>
+            </a:r>
+            <a:r>
+              <a:rPr lang="ru-RU" sz="2000" dirty="0"/>
+              <a:t> по даден жанр</a:t>
+            </a:r>
+            <a:endParaRPr sz="2000" dirty="0"/>
           </a:p>
           <a:p>
             <a:pPr marL="342900" lvl="0" indent="-342900" algn="l" rtl="0">
@@ -9243,27 +8940,34 @@
               <a:buChar char="•"/>
             </a:pPr>
             <a:r>
-              <a:rPr lang="ru-RU" sz="2000"/>
-              <a:t>-да прегледа всички прожекции в определено кино</a:t>
-            </a:r>
-            <a:endParaRPr sz="2000"/>
-          </a:p>
-          <a:p>
-            <a:pPr marL="342900" lvl="0" indent="-215900" algn="l" rtl="0">
-              <a:spcBef>
-                <a:spcPts val="400"/>
-              </a:spcBef>
-              <a:spcAft>
-                <a:spcPts val="0"/>
-              </a:spcAft>
-              <a:buClr>
-                <a:schemeClr val="dk1"/>
-              </a:buClr>
-              <a:buSzPts val="2000"/>
-              <a:buFont typeface="Arial"/>
-              <a:buNone/>
-            </a:pPr>
-            <a:endParaRPr sz="2000"/>
+              <a:rPr lang="ru-RU" sz="2000" dirty="0"/>
+              <a:t>-да </a:t>
+            </a:r>
+            <a:r>
+              <a:rPr lang="ru-RU" sz="2000" dirty="0" err="1"/>
+              <a:t>прегледа</a:t>
+            </a:r>
+            <a:r>
+              <a:rPr lang="ru-RU" sz="2000" dirty="0"/>
+              <a:t> </a:t>
+            </a:r>
+            <a:r>
+              <a:rPr lang="ru-RU" sz="2000" dirty="0" err="1"/>
+              <a:t>всички</a:t>
+            </a:r>
+            <a:r>
+              <a:rPr lang="ru-RU" sz="2000" dirty="0"/>
+              <a:t> </a:t>
+            </a:r>
+            <a:r>
+              <a:rPr lang="ru-RU" sz="2000" dirty="0" err="1"/>
+              <a:t>прожекции</a:t>
+            </a:r>
+            <a:r>
+              <a:rPr lang="ru-RU" sz="2000" dirty="0"/>
+              <a:t> в определено кино</a:t>
+            </a:r>
+            <a:endParaRPr sz="2000" dirty="0"/>
           </a:p>
           <a:p>
             <a:pPr marL="342900" lvl="0" indent="-342900" algn="l" rtl="0">
@@ -9281,27 +8985,34 @@
               <a:buChar char="•"/>
             </a:pPr>
             <a:r>
-              <a:rPr lang="ru-RU" sz="2000"/>
-              <a:t>-да прегледа всички прожекции в определен град</a:t>
-            </a:r>
-            <a:endParaRPr sz="2000"/>
-          </a:p>
-          <a:p>
-            <a:pPr marL="342900" lvl="0" indent="-215900" algn="l" rtl="0">
-              <a:spcBef>
-                <a:spcPts val="400"/>
-              </a:spcBef>
-              <a:spcAft>
-                <a:spcPts val="0"/>
-              </a:spcAft>
-              <a:buClr>
-                <a:schemeClr val="dk1"/>
-              </a:buClr>
-              <a:buSzPts val="2000"/>
-              <a:buFont typeface="Arial"/>
-              <a:buNone/>
-            </a:pPr>
-            <a:endParaRPr sz="2000"/>
+              <a:rPr lang="ru-RU" sz="2000" dirty="0"/>
+              <a:t>-да </a:t>
+            </a:r>
+            <a:r>
+              <a:rPr lang="ru-RU" sz="2000" dirty="0" err="1"/>
+              <a:t>прегледа</a:t>
+            </a:r>
+            <a:r>
+              <a:rPr lang="ru-RU" sz="2000" dirty="0"/>
+              <a:t> </a:t>
+            </a:r>
+            <a:r>
+              <a:rPr lang="ru-RU" sz="2000" dirty="0" err="1"/>
+              <a:t>всички</a:t>
+            </a:r>
+            <a:r>
+              <a:rPr lang="ru-RU" sz="2000" dirty="0"/>
+              <a:t> </a:t>
+            </a:r>
+            <a:r>
+              <a:rPr lang="ru-RU" sz="2000" dirty="0" err="1"/>
+              <a:t>прожекции</a:t>
+            </a:r>
+            <a:r>
+              <a:rPr lang="ru-RU" sz="2000" dirty="0"/>
+              <a:t> в определен град</a:t>
+            </a:r>
+            <a:endParaRPr sz="2000" dirty="0"/>
           </a:p>
           <a:p>
             <a:pPr marL="342900" lvl="0" indent="-342900" algn="l" rtl="0">
@@ -9319,27 +9030,30 @@
               <a:buChar char="•"/>
             </a:pPr>
             <a:r>
-              <a:rPr lang="ru-RU" sz="2000"/>
-              <a:t>-да провери свободните места за дадена прожекция</a:t>
-            </a:r>
-            <a:endParaRPr sz="2000"/>
-          </a:p>
-          <a:p>
-            <a:pPr marL="342900" lvl="0" indent="-215900" algn="l" rtl="0">
-              <a:spcBef>
-                <a:spcPts val="400"/>
-              </a:spcBef>
-              <a:spcAft>
-                <a:spcPts val="0"/>
-              </a:spcAft>
-              <a:buClr>
-                <a:schemeClr val="dk1"/>
-              </a:buClr>
-              <a:buSzPts val="2000"/>
-              <a:buFont typeface="Arial"/>
-              <a:buNone/>
-            </a:pPr>
-            <a:endParaRPr sz="2000"/>
+              <a:rPr lang="ru-RU" sz="2000" dirty="0"/>
+              <a:t>-да </a:t>
+            </a:r>
+            <a:r>
+              <a:rPr lang="ru-RU" sz="2000" dirty="0" err="1"/>
+              <a:t>провери</a:t>
+            </a:r>
+            <a:r>
+              <a:rPr lang="ru-RU" sz="2000" dirty="0"/>
+              <a:t> </a:t>
+            </a:r>
+            <a:r>
+              <a:rPr lang="ru-RU" sz="2000" dirty="0" err="1"/>
+              <a:t>свободните</a:t>
+            </a:r>
+            <a:r>
+              <a:rPr lang="ru-RU" sz="2000" dirty="0"/>
+              <a:t> места за дадена </a:t>
+            </a:r>
+            <a:r>
+              <a:rPr lang="ru-RU" sz="2000" dirty="0" err="1"/>
+              <a:t>прожекция</a:t>
+            </a:r>
+            <a:endParaRPr sz="2000" dirty="0"/>
           </a:p>
           <a:p>
             <a:pPr marL="342900" lvl="0" indent="-342900" algn="l" rtl="0">
@@ -9357,203 +9071,191 @@
               <a:buChar char="•"/>
             </a:pPr>
             <a:r>
-              <a:rPr lang="ru-RU" sz="2000"/>
-              <a:t>-да прегледа всички налични филми в базата по жанр</a:t>
-            </a:r>
-            <a:endParaRPr/>
+              <a:rPr lang="ru-RU" sz="2000" dirty="0"/>
+              <a:t>-да </a:t>
+            </a:r>
+            <a:r>
+              <a:rPr lang="ru-RU" sz="2000" dirty="0" err="1"/>
+              <a:t>прегледа</a:t>
+            </a:r>
+            <a:r>
+              <a:rPr lang="ru-RU" sz="2000" dirty="0"/>
+              <a:t> </a:t>
+            </a:r>
+            <a:r>
+              <a:rPr lang="ru-RU" sz="2000" dirty="0" err="1"/>
+              <a:t>всички</a:t>
+            </a:r>
+            <a:r>
+              <a:rPr lang="ru-RU" sz="2000" dirty="0"/>
+              <a:t> </a:t>
+            </a:r>
+            <a:r>
+              <a:rPr lang="ru-RU" sz="2000" dirty="0" err="1"/>
+              <a:t>налични</a:t>
+            </a:r>
+            <a:r>
+              <a:rPr lang="ru-RU" sz="2000" dirty="0"/>
+              <a:t> </a:t>
+            </a:r>
+            <a:r>
+              <a:rPr lang="ru-RU" sz="2000" dirty="0" err="1"/>
+              <a:t>филми</a:t>
+            </a:r>
+            <a:r>
+              <a:rPr lang="ru-RU" sz="2000" dirty="0"/>
+              <a:t> в </a:t>
+            </a:r>
+            <a:r>
+              <a:rPr lang="ru-RU" sz="2000" dirty="0" err="1"/>
+              <a:t>базата</a:t>
+            </a:r>
+            <a:r>
+              <a:rPr lang="ru-RU" sz="2000" dirty="0"/>
+              <a:t> по жанр</a:t>
+            </a:r>
+            <a:endParaRPr lang="en-GB" sz="2000" dirty="0"/>
+          </a:p>
+          <a:p>
+            <a:pPr marL="342900" lvl="0" indent="-342900" algn="l" rtl="0">
+              <a:spcBef>
+                <a:spcPts val="0"/>
+              </a:spcBef>
+              <a:spcAft>
+                <a:spcPts val="0"/>
+              </a:spcAft>
+              <a:buClr>
+                <a:schemeClr val="dk1"/>
+              </a:buClr>
+              <a:buSzPts val="2800"/>
+              <a:buFont typeface="Arial"/>
+              <a:buChar char="•"/>
+            </a:pPr>
+            <a:r>
+              <a:rPr lang="ru-RU" sz="2000" dirty="0"/>
+              <a:t>-Регистрация</a:t>
+            </a:r>
+          </a:p>
+          <a:p>
+            <a:pPr marL="342900" lvl="0" indent="-342900" algn="l" rtl="0">
+              <a:spcBef>
+                <a:spcPts val="560"/>
+              </a:spcBef>
+              <a:spcAft>
+                <a:spcPts val="0"/>
+              </a:spcAft>
+              <a:buClr>
+                <a:schemeClr val="dk1"/>
+              </a:buClr>
+              <a:buSzPts val="2800"/>
+              <a:buFont typeface="Arial"/>
+              <a:buChar char="•"/>
+            </a:pPr>
+            <a:r>
+              <a:rPr lang="ru-RU" sz="2000" dirty="0"/>
+              <a:t>-</a:t>
+            </a:r>
+            <a:r>
+              <a:rPr lang="ru-RU" sz="2000" dirty="0" err="1"/>
+              <a:t>Взимане</a:t>
+            </a:r>
+            <a:r>
+              <a:rPr lang="ru-RU" sz="2000" dirty="0"/>
+              <a:t> на </a:t>
+            </a:r>
+            <a:r>
+              <a:rPr lang="ru-RU" sz="2000" dirty="0" err="1"/>
+              <a:t>цялата</a:t>
+            </a:r>
+            <a:r>
+              <a:rPr lang="ru-RU" sz="2000" dirty="0"/>
+              <a:t> информация за </a:t>
+            </a:r>
+            <a:r>
+              <a:rPr lang="ru-RU" sz="2000" dirty="0" err="1"/>
+              <a:t>филм</a:t>
+            </a:r>
+            <a:r>
+              <a:rPr lang="ru-RU" sz="2000" dirty="0"/>
+              <a:t> от </a:t>
+            </a:r>
+            <a:r>
+              <a:rPr lang="ru-RU" sz="2000" dirty="0" err="1"/>
+              <a:t>базата</a:t>
+            </a:r>
+            <a:r>
+              <a:rPr lang="ru-RU" sz="2000" dirty="0"/>
+              <a:t> на IMDB (</a:t>
+            </a:r>
+            <a:r>
+              <a:rPr lang="ru-RU" sz="2000" dirty="0" err="1"/>
+              <a:t>actors,poster,script</a:t>
+            </a:r>
+            <a:r>
+              <a:rPr lang="ru-RU" sz="2000" dirty="0"/>
+              <a:t>)</a:t>
+            </a:r>
+          </a:p>
+          <a:p>
+            <a:pPr marL="342900" lvl="0" indent="-342900" algn="l" rtl="0">
+              <a:spcBef>
+                <a:spcPts val="560"/>
+              </a:spcBef>
+              <a:spcAft>
+                <a:spcPts val="0"/>
+              </a:spcAft>
+              <a:buClr>
+                <a:schemeClr val="dk1"/>
+              </a:buClr>
+              <a:buSzPts val="2800"/>
+              <a:buFont typeface="Arial"/>
+              <a:buChar char="•"/>
+            </a:pPr>
+            <a:r>
+              <a:rPr lang="ru-RU" sz="2000" dirty="0"/>
+              <a:t>-</a:t>
+            </a:r>
+            <a:r>
+              <a:rPr lang="ru-RU" sz="2000" dirty="0" err="1"/>
+              <a:t>Достъп</a:t>
+            </a:r>
+            <a:r>
+              <a:rPr lang="ru-RU" sz="2000" dirty="0"/>
+              <a:t> до </a:t>
+            </a:r>
+            <a:r>
+              <a:rPr lang="ru-RU" sz="2000" dirty="0" err="1"/>
+              <a:t>отделните</a:t>
+            </a:r>
+            <a:r>
+              <a:rPr lang="ru-RU" sz="2000" dirty="0"/>
+              <a:t> </a:t>
+            </a:r>
+            <a:r>
+              <a:rPr lang="ru-RU" sz="2000" dirty="0" err="1"/>
+              <a:t>ресурси</a:t>
+            </a:r>
+            <a:endParaRPr lang="ru-RU" sz="2000" dirty="0"/>
+          </a:p>
+          <a:p>
+            <a:pPr marL="342900" lvl="0" indent="-342900" algn="l" rtl="0">
+              <a:spcBef>
+                <a:spcPts val="400"/>
+              </a:spcBef>
+              <a:spcAft>
+                <a:spcPts val="0"/>
+              </a:spcAft>
+              <a:buClr>
+                <a:schemeClr val="dk1"/>
+              </a:buClr>
+              <a:buSzPts val="2000"/>
+              <a:buFont typeface="Arial"/>
+              <a:buChar char="•"/>
+            </a:pPr>
+            <a:endParaRPr dirty="0"/>
           </a:p>
         </p:txBody>
       </p:sp>
-      <p:pic>
-        <p:nvPicPr>
-          <p:cNvPr id="67" name="Google Shape;67;p15"/>
-          <p:cNvPicPr preferRelativeResize="0"/>
-          <p:nvPr/>
-        </p:nvPicPr>
-        <p:blipFill rotWithShape="1">
-          <a:blip r:embed="rId3">
-            <a:alphaModFix/>
-          </a:blip>
-          <a:srcRect/>
-          <a:stretch/>
-        </p:blipFill>
-        <p:spPr>
-          <a:xfrm>
-            <a:off x="29580" y="2831890"/>
-            <a:ext cx="9144000" cy="354925"/>
-          </a:xfrm>
-          <a:prstGeom prst="rect">
-            <a:avLst/>
-          </a:prstGeom>
-          <a:noFill/>
-          <a:ln>
-            <a:noFill/>
-          </a:ln>
-        </p:spPr>
-      </p:pic>
-      <p:pic>
-        <p:nvPicPr>
-          <p:cNvPr id="68" name="Google Shape;68;p15"/>
-          <p:cNvPicPr preferRelativeResize="0"/>
-          <p:nvPr/>
-        </p:nvPicPr>
-        <p:blipFill rotWithShape="1">
-          <a:blip r:embed="rId4">
-            <a:alphaModFix/>
-          </a:blip>
-          <a:srcRect/>
-          <a:stretch/>
-        </p:blipFill>
-        <p:spPr>
-          <a:xfrm>
-            <a:off x="-28619" y="3557569"/>
-            <a:ext cx="9144000" cy="362047"/>
-          </a:xfrm>
-          <a:prstGeom prst="rect">
-            <a:avLst/>
-          </a:prstGeom>
-          <a:noFill/>
-          <a:ln>
-            <a:noFill/>
-          </a:ln>
-        </p:spPr>
-      </p:pic>
-      <p:pic>
-        <p:nvPicPr>
-          <p:cNvPr id="69" name="Google Shape;69;p15"/>
-          <p:cNvPicPr preferRelativeResize="0"/>
-          <p:nvPr/>
-        </p:nvPicPr>
-        <p:blipFill rotWithShape="1">
-          <a:blip r:embed="rId5">
-            <a:alphaModFix/>
-          </a:blip>
-          <a:srcRect/>
-          <a:stretch/>
-        </p:blipFill>
-        <p:spPr>
-          <a:xfrm>
-            <a:off x="-28619" y="4246458"/>
-            <a:ext cx="9144000" cy="398775"/>
-          </a:xfrm>
-          <a:prstGeom prst="rect">
-            <a:avLst/>
-          </a:prstGeom>
-          <a:noFill/>
-          <a:ln>
-            <a:noFill/>
-          </a:ln>
-        </p:spPr>
-      </p:pic>
-      <p:pic>
-        <p:nvPicPr>
-          <p:cNvPr id="70" name="Google Shape;70;p15"/>
-          <p:cNvPicPr preferRelativeResize="0"/>
-          <p:nvPr/>
-        </p:nvPicPr>
-        <p:blipFill rotWithShape="1">
-          <a:blip r:embed="rId6">
-            <a:alphaModFix/>
-          </a:blip>
-          <a:srcRect/>
-          <a:stretch/>
-        </p:blipFill>
-        <p:spPr>
-          <a:xfrm>
-            <a:off x="29575" y="4957224"/>
-            <a:ext cx="9144000" cy="395565"/>
-          </a:xfrm>
-          <a:prstGeom prst="rect">
-            <a:avLst/>
-          </a:prstGeom>
-          <a:noFill/>
-          <a:ln>
-            <a:noFill/>
-          </a:ln>
-        </p:spPr>
-      </p:pic>
-      <p:pic>
-        <p:nvPicPr>
-          <p:cNvPr id="71" name="Google Shape;71;p15"/>
-          <p:cNvPicPr preferRelativeResize="0"/>
-          <p:nvPr/>
-        </p:nvPicPr>
-        <p:blipFill rotWithShape="1">
-          <a:blip r:embed="rId7">
-            <a:alphaModFix/>
-          </a:blip>
-          <a:srcRect/>
-          <a:stretch/>
-        </p:blipFill>
-        <p:spPr>
-          <a:xfrm>
-            <a:off x="-108520" y="5605605"/>
-            <a:ext cx="9144000" cy="385978"/>
-          </a:xfrm>
-          <a:prstGeom prst="rect">
-            <a:avLst/>
-          </a:prstGeom>
-          <a:noFill/>
-          <a:ln>
-            <a:noFill/>
-          </a:ln>
-        </p:spPr>
-      </p:pic>
-      <p:pic>
-        <p:nvPicPr>
-          <p:cNvPr id="72" name="Google Shape;72;p15"/>
-          <p:cNvPicPr preferRelativeResize="0"/>
-          <p:nvPr/>
-        </p:nvPicPr>
-        <p:blipFill rotWithShape="1">
-          <a:blip r:embed="rId8">
-            <a:alphaModFix/>
-          </a:blip>
-          <a:srcRect/>
-          <a:stretch/>
-        </p:blipFill>
-        <p:spPr>
-          <a:xfrm>
-            <a:off x="-108520" y="6311442"/>
-            <a:ext cx="9144000" cy="412718"/>
-          </a:xfrm>
-          <a:prstGeom prst="rect">
-            <a:avLst/>
-          </a:prstGeom>
-          <a:noFill/>
-          <a:ln>
-            <a:noFill/>
-          </a:ln>
-        </p:spPr>
-      </p:pic>
-      <p:pic>
-        <p:nvPicPr>
-          <p:cNvPr id="73" name="Google Shape;73;p15"/>
-          <p:cNvPicPr preferRelativeResize="0"/>
-          <p:nvPr/>
-        </p:nvPicPr>
-        <p:blipFill>
-          <a:blip r:embed="rId9">
-            <a:alphaModFix/>
-          </a:blip>
-          <a:stretch>
-            <a:fillRect/>
-          </a:stretch>
-        </p:blipFill>
-        <p:spPr>
-          <a:xfrm>
-            <a:off x="79925" y="2069850"/>
-            <a:ext cx="9144001" cy="325900"/>
-          </a:xfrm>
-          <a:prstGeom prst="rect">
-            <a:avLst/>
-          </a:prstGeom>
-          <a:noFill/>
-          <a:ln>
-            <a:noFill/>
-          </a:ln>
-        </p:spPr>
-      </p:pic>
     </p:spTree>
   </p:cSld>
   <p:clrMapOvr>
@@ -9563,339 +9265,6 @@
 </file>
 
 <file path=ppt/slides/slide4.xml><?xml version="1.0" encoding="utf-8"?>
-<p:sld xmlns:a="http://schemas.openxmlformats.org/drawingml/2006/main" xmlns:r="http://schemas.openxmlformats.org/officeDocument/2006/relationships" xmlns:p="http://schemas.openxmlformats.org/presentationml/2006/main">
-  <p:cSld>
-    <p:spTree>
-      <p:nvGrpSpPr>
-        <p:cNvPr id="1" name="Shape 77"/>
-        <p:cNvGrpSpPr/>
-        <p:nvPr/>
-      </p:nvGrpSpPr>
-      <p:grpSpPr>
-        <a:xfrm>
-          <a:off x="0" y="0"/>
-          <a:ext cx="0" cy="0"/>
-          <a:chOff x="0" y="0"/>
-          <a:chExt cx="0" cy="0"/>
-        </a:xfrm>
-      </p:grpSpPr>
-      <p:sp>
-        <p:nvSpPr>
-          <p:cNvPr id="78" name="Google Shape;78;p16"/>
-          <p:cNvSpPr txBox="1">
-            <a:spLocks noGrp="1"/>
-          </p:cNvSpPr>
-          <p:nvPr>
-            <p:ph type="title"/>
-          </p:nvPr>
-        </p:nvSpPr>
-        <p:spPr>
-          <a:xfrm>
-            <a:off x="1187450" y="400050"/>
-            <a:ext cx="7632700" cy="508000"/>
-          </a:xfrm>
-          <a:prstGeom prst="rect">
-            <a:avLst/>
-          </a:prstGeom>
-          <a:noFill/>
-          <a:ln>
-            <a:noFill/>
-          </a:ln>
-        </p:spPr>
-        <p:txBody>
-          <a:bodyPr spcFirstLastPara="1" wrap="square" lIns="91425" tIns="45700" rIns="91425" bIns="45700" anchor="ctr" anchorCtr="0">
-            <a:noAutofit/>
-          </a:bodyPr>
-          <a:lstStyle/>
-          <a:p>
-            <a:pPr marL="0" lvl="0" indent="0" algn="r" rtl="0">
-              <a:spcBef>
-                <a:spcPts val="0"/>
-              </a:spcBef>
-              <a:spcAft>
-                <a:spcPts val="0"/>
-              </a:spcAft>
-              <a:buNone/>
-            </a:pPr>
-            <a:r>
-              <a:rPr lang="ru-RU"/>
-              <a:t>Functionallity</a:t>
-            </a:r>
-            <a:endParaRPr/>
-          </a:p>
-        </p:txBody>
-      </p:sp>
-      <p:sp>
-        <p:nvSpPr>
-          <p:cNvPr id="79" name="Google Shape;79;p16"/>
-          <p:cNvSpPr txBox="1">
-            <a:spLocks noGrp="1"/>
-          </p:cNvSpPr>
-          <p:nvPr>
-            <p:ph type="body" idx="1"/>
-          </p:nvPr>
-        </p:nvSpPr>
-        <p:spPr>
-          <a:xfrm>
-            <a:off x="1187450" y="1412875"/>
-            <a:ext cx="7632700" cy="5256213"/>
-          </a:xfrm>
-          <a:prstGeom prst="rect">
-            <a:avLst/>
-          </a:prstGeom>
-          <a:noFill/>
-          <a:ln>
-            <a:noFill/>
-          </a:ln>
-        </p:spPr>
-        <p:txBody>
-          <a:bodyPr spcFirstLastPara="1" wrap="square" lIns="91425" tIns="45700" rIns="91425" bIns="45700" anchor="t" anchorCtr="0">
-            <a:noAutofit/>
-          </a:bodyPr>
-          <a:lstStyle/>
-          <a:p>
-            <a:pPr marL="342900" lvl="0" indent="-342900" algn="l" rtl="0">
-              <a:spcBef>
-                <a:spcPts val="0"/>
-              </a:spcBef>
-              <a:spcAft>
-                <a:spcPts val="0"/>
-              </a:spcAft>
-              <a:buClr>
-                <a:schemeClr val="dk1"/>
-              </a:buClr>
-              <a:buSzPts val="2800"/>
-              <a:buFont typeface="Arial"/>
-              <a:buChar char="•"/>
-            </a:pPr>
-            <a:r>
-              <a:rPr lang="ru-RU"/>
-              <a:t>-Регистрация</a:t>
-            </a:r>
-            <a:endParaRPr/>
-          </a:p>
-          <a:p>
-            <a:pPr marL="342900" lvl="0" indent="-165100" algn="l" rtl="0">
-              <a:spcBef>
-                <a:spcPts val="560"/>
-              </a:spcBef>
-              <a:spcAft>
-                <a:spcPts val="0"/>
-              </a:spcAft>
-              <a:buClr>
-                <a:schemeClr val="dk1"/>
-              </a:buClr>
-              <a:buSzPts val="2800"/>
-              <a:buFont typeface="Arial"/>
-              <a:buNone/>
-            </a:pPr>
-            <a:endParaRPr/>
-          </a:p>
-          <a:p>
-            <a:pPr marL="342900" lvl="0" indent="-342900" algn="l" rtl="0">
-              <a:spcBef>
-                <a:spcPts val="560"/>
-              </a:spcBef>
-              <a:spcAft>
-                <a:spcPts val="0"/>
-              </a:spcAft>
-              <a:buClr>
-                <a:schemeClr val="dk1"/>
-              </a:buClr>
-              <a:buSzPts val="2800"/>
-              <a:buFont typeface="Arial"/>
-              <a:buChar char="•"/>
-            </a:pPr>
-            <a:r>
-              <a:rPr lang="ru-RU"/>
-              <a:t>-Взимане на цялата информация за филм от базата на IMDB (actors,poster,script)</a:t>
-            </a:r>
-            <a:endParaRPr/>
-          </a:p>
-          <a:p>
-            <a:pPr marL="342900" lvl="0" indent="-165100" algn="l" rtl="0">
-              <a:spcBef>
-                <a:spcPts val="560"/>
-              </a:spcBef>
-              <a:spcAft>
-                <a:spcPts val="0"/>
-              </a:spcAft>
-              <a:buClr>
-                <a:schemeClr val="dk1"/>
-              </a:buClr>
-              <a:buSzPts val="2800"/>
-              <a:buFont typeface="Arial"/>
-              <a:buNone/>
-            </a:pPr>
-            <a:endParaRPr/>
-          </a:p>
-          <a:p>
-            <a:pPr marL="342900" lvl="0" indent="-342900" algn="l" rtl="0">
-              <a:spcBef>
-                <a:spcPts val="560"/>
-              </a:spcBef>
-              <a:spcAft>
-                <a:spcPts val="0"/>
-              </a:spcAft>
-              <a:buClr>
-                <a:schemeClr val="dk1"/>
-              </a:buClr>
-              <a:buSzPts val="2800"/>
-              <a:buFont typeface="Arial"/>
-              <a:buChar char="•"/>
-            </a:pPr>
-            <a:r>
-              <a:rPr lang="ru-RU"/>
-              <a:t>-Достъп до отделните ресурси</a:t>
-            </a:r>
-            <a:endParaRPr/>
-          </a:p>
-        </p:txBody>
-      </p:sp>
-      <p:pic>
-        <p:nvPicPr>
-          <p:cNvPr id="80" name="Google Shape;80;p16"/>
-          <p:cNvPicPr preferRelativeResize="0"/>
-          <p:nvPr/>
-        </p:nvPicPr>
-        <p:blipFill rotWithShape="1">
-          <a:blip r:embed="rId3">
-            <a:alphaModFix/>
-          </a:blip>
-          <a:srcRect/>
-          <a:stretch/>
-        </p:blipFill>
-        <p:spPr>
-          <a:xfrm>
-            <a:off x="6896" y="1953667"/>
-            <a:ext cx="9144000" cy="427898"/>
-          </a:xfrm>
-          <a:prstGeom prst="rect">
-            <a:avLst/>
-          </a:prstGeom>
-          <a:noFill/>
-          <a:ln>
-            <a:noFill/>
-          </a:ln>
-        </p:spPr>
-      </p:pic>
-      <p:pic>
-        <p:nvPicPr>
-          <p:cNvPr id="81" name="Google Shape;81;p16"/>
-          <p:cNvPicPr preferRelativeResize="0"/>
-          <p:nvPr/>
-        </p:nvPicPr>
-        <p:blipFill rotWithShape="1">
-          <a:blip r:embed="rId4">
-            <a:alphaModFix/>
-          </a:blip>
-          <a:srcRect/>
-          <a:stretch/>
-        </p:blipFill>
-        <p:spPr>
-          <a:xfrm>
-            <a:off x="6896" y="3427182"/>
-            <a:ext cx="9144000" cy="348433"/>
-          </a:xfrm>
-          <a:prstGeom prst="rect">
-            <a:avLst/>
-          </a:prstGeom>
-          <a:noFill/>
-          <a:ln>
-            <a:noFill/>
-          </a:ln>
-        </p:spPr>
-      </p:pic>
-      <p:pic>
-        <p:nvPicPr>
-          <p:cNvPr id="82" name="Google Shape;82;p16"/>
-          <p:cNvPicPr preferRelativeResize="0"/>
-          <p:nvPr/>
-        </p:nvPicPr>
-        <p:blipFill rotWithShape="1">
-          <a:blip r:embed="rId5">
-            <a:alphaModFix/>
-          </a:blip>
-          <a:srcRect/>
-          <a:stretch/>
-        </p:blipFill>
-        <p:spPr>
-          <a:xfrm>
-            <a:off x="6889" y="4706320"/>
-            <a:ext cx="9144000" cy="438987"/>
-          </a:xfrm>
-          <a:prstGeom prst="rect">
-            <a:avLst/>
-          </a:prstGeom>
-          <a:noFill/>
-          <a:ln>
-            <a:noFill/>
-          </a:ln>
-        </p:spPr>
-      </p:pic>
-      <p:pic>
-        <p:nvPicPr>
-          <p:cNvPr id="83" name="Google Shape;83;p16"/>
-          <p:cNvPicPr preferRelativeResize="0"/>
-          <p:nvPr/>
-        </p:nvPicPr>
-        <p:blipFill rotWithShape="1">
-          <a:blip r:embed="rId6">
-            <a:alphaModFix/>
-          </a:blip>
-          <a:srcRect/>
-          <a:stretch/>
-        </p:blipFill>
-        <p:spPr>
-          <a:xfrm>
-            <a:off x="69071" y="4369286"/>
-            <a:ext cx="9144000" cy="378242"/>
-          </a:xfrm>
-          <a:prstGeom prst="rect">
-            <a:avLst/>
-          </a:prstGeom>
-          <a:noFill/>
-          <a:ln>
-            <a:noFill/>
-          </a:ln>
-        </p:spPr>
-      </p:pic>
-      <p:pic>
-        <p:nvPicPr>
-          <p:cNvPr id="84" name="Google Shape;84;p16"/>
-          <p:cNvPicPr preferRelativeResize="0"/>
-          <p:nvPr/>
-        </p:nvPicPr>
-        <p:blipFill rotWithShape="1">
-          <a:blip r:embed="rId7">
-            <a:alphaModFix/>
-          </a:blip>
-          <a:srcRect/>
-          <a:stretch/>
-        </p:blipFill>
-        <p:spPr>
-          <a:xfrm>
-            <a:off x="69064" y="5145298"/>
-            <a:ext cx="9144001" cy="386499"/>
-          </a:xfrm>
-          <a:prstGeom prst="rect">
-            <a:avLst/>
-          </a:prstGeom>
-          <a:noFill/>
-          <a:ln>
-            <a:noFill/>
-          </a:ln>
-        </p:spPr>
-      </p:pic>
-    </p:spTree>
-  </p:cSld>
-  <p:clrMapOvr>
-    <a:masterClrMapping/>
-  </p:clrMapOvr>
-</p:sld>
-</file>
-
-<file path=ppt/slides/slide5.xml><?xml version="1.0" encoding="utf-8"?>
 <p:sld xmlns:a="http://schemas.openxmlformats.org/drawingml/2006/main" xmlns:r="http://schemas.openxmlformats.org/officeDocument/2006/relationships" xmlns:p="http://schemas.openxmlformats.org/presentationml/2006/main">
   <p:cSld>
     <p:spTree>
@@ -9970,7 +9339,7 @@
         </p:nvSpPr>
         <p:spPr>
           <a:xfrm>
-            <a:off x="1187450" y="1412875"/>
+            <a:off x="1112035" y="1201737"/>
             <a:ext cx="7632700" cy="5256213"/>
           </a:xfrm>
           <a:prstGeom prst="rect">
@@ -10001,7 +9370,7 @@
               <a:buFont typeface="Arial"/>
               <a:buNone/>
             </a:pPr>
-            <a:endParaRPr sz="2000"/>
+            <a:endParaRPr sz="2000" dirty="0"/>
           </a:p>
           <a:p>
             <a:pPr marL="342900" lvl="0" indent="-342900" algn="l" rtl="0">
@@ -10019,10 +9388,22 @@
               <a:buChar char="•"/>
             </a:pPr>
             <a:r>
-              <a:rPr lang="ru-RU" b="1"/>
-              <a:t>Регистриран потребител:</a:t>
-            </a:r>
-            <a:endParaRPr/>
+              <a:rPr lang="ru-RU" sz="2000" b="1" dirty="0" err="1"/>
+              <a:t>Регистриран</a:t>
+            </a:r>
+            <a:r>
+              <a:rPr lang="ru-RU" sz="2000" b="1" dirty="0"/>
+              <a:t> </a:t>
+            </a:r>
+            <a:r>
+              <a:rPr lang="ru-RU" sz="2000" b="1" dirty="0" err="1"/>
+              <a:t>потребител</a:t>
+            </a:r>
+            <a:r>
+              <a:rPr lang="ru-RU" sz="2000" b="1" dirty="0"/>
+              <a:t>:</a:t>
+            </a:r>
+            <a:endParaRPr sz="2000" dirty="0"/>
           </a:p>
           <a:p>
             <a:pPr marL="342900" lvl="0" indent="-342900" algn="l" rtl="0">
@@ -10040,48 +9421,34 @@
               <a:buChar char="•"/>
             </a:pPr>
             <a:r>
-              <a:rPr lang="ru-RU"/>
-              <a:t>-</a:t>
-            </a:r>
-            <a:r>
-              <a:rPr lang="ru-RU" sz="2400"/>
-              <a:t>да влиза и излиза в акаунта си</a:t>
-            </a:r>
-            <a:endParaRPr sz="2400"/>
-          </a:p>
-          <a:p>
-            <a:pPr marL="342900" lvl="0" indent="-190500" algn="l" rtl="0">
-              <a:spcBef>
-                <a:spcPts val="480"/>
-              </a:spcBef>
-              <a:spcAft>
-                <a:spcPts val="0"/>
-              </a:spcAft>
-              <a:buClr>
-                <a:schemeClr val="dk1"/>
-              </a:buClr>
-              <a:buSzPts val="2400"/>
-              <a:buFont typeface="Arial"/>
-              <a:buNone/>
-            </a:pPr>
-            <a:endParaRPr sz="2400"/>
-          </a:p>
-          <a:p>
-            <a:pPr marL="342900" lvl="0" indent="-190500" algn="l" rtl="0">
-              <a:spcBef>
-                <a:spcPts val="480"/>
-              </a:spcBef>
-              <a:spcAft>
-                <a:spcPts val="0"/>
-              </a:spcAft>
-              <a:buClr>
-                <a:schemeClr val="dk1"/>
-              </a:buClr>
-              <a:buSzPts val="2400"/>
-              <a:buFont typeface="Arial"/>
-              <a:buNone/>
-            </a:pPr>
-            <a:endParaRPr sz="2400"/>
+              <a:rPr lang="ru-RU" sz="2000" dirty="0"/>
+              <a:t>-да </a:t>
+            </a:r>
+            <a:r>
+              <a:rPr lang="ru-RU" sz="2000" dirty="0" err="1"/>
+              <a:t>влиза</a:t>
+            </a:r>
+            <a:r>
+              <a:rPr lang="ru-RU" sz="2000" dirty="0"/>
+              <a:t> и </a:t>
+            </a:r>
+            <a:r>
+              <a:rPr lang="ru-RU" sz="2000" dirty="0" err="1"/>
+              <a:t>излиза</a:t>
+            </a:r>
+            <a:r>
+              <a:rPr lang="ru-RU" sz="2000" dirty="0"/>
+              <a:t> в </a:t>
+            </a:r>
+            <a:r>
+              <a:rPr lang="ru-RU" sz="2000" dirty="0" err="1"/>
+              <a:t>акаунта</a:t>
+            </a:r>
+            <a:r>
+              <a:rPr lang="ru-RU" sz="2000" dirty="0"/>
+              <a:t> си</a:t>
+            </a:r>
+            <a:endParaRPr sz="2000" dirty="0"/>
           </a:p>
           <a:p>
             <a:pPr marL="342900" lvl="0" indent="-342900" algn="l" rtl="0">
@@ -10099,27 +9466,30 @@
               <a:buChar char="•"/>
             </a:pPr>
             <a:r>
-              <a:rPr lang="ru-RU" sz="2400"/>
-              <a:t>-редактира акаунта си</a:t>
-            </a:r>
-            <a:endParaRPr sz="2400"/>
-          </a:p>
-          <a:p>
-            <a:pPr marL="342900" lvl="0" indent="-190500" algn="l" rtl="0">
-              <a:spcBef>
-                <a:spcPts val="480"/>
-              </a:spcBef>
-              <a:spcAft>
-                <a:spcPts val="0"/>
-              </a:spcAft>
-              <a:buClr>
-                <a:schemeClr val="dk1"/>
-              </a:buClr>
-              <a:buSzPts val="2400"/>
-              <a:buFont typeface="Arial"/>
-              <a:buNone/>
-            </a:pPr>
-            <a:endParaRPr sz="2400"/>
+              <a:rPr lang="ru-RU" sz="2000" dirty="0"/>
+              <a:t>-</a:t>
+            </a:r>
+            <a:r>
+              <a:rPr lang="bg-BG" sz="2000" dirty="0"/>
+              <a:t>да </a:t>
+            </a:r>
+            <a:r>
+              <a:rPr lang="ru-RU" sz="2000" dirty="0" err="1"/>
+              <a:t>редактира</a:t>
+            </a:r>
+            <a:r>
+              <a:rPr lang="ru-RU" sz="2000" dirty="0"/>
+              <a:t> </a:t>
+            </a:r>
+            <a:r>
+              <a:rPr lang="ru-RU" sz="2000" dirty="0" err="1"/>
+              <a:t>акаунта</a:t>
+            </a:r>
+            <a:r>
+              <a:rPr lang="ru-RU" sz="2000" dirty="0"/>
+              <a:t> си</a:t>
+            </a:r>
+            <a:endParaRPr sz="2000" dirty="0"/>
           </a:p>
           <a:p>
             <a:pPr marL="342900" lvl="0" indent="-342900" algn="l" rtl="0">
@@ -10137,27 +9507,18 @@
               <a:buChar char="•"/>
             </a:pPr>
             <a:r>
-              <a:rPr lang="ru-RU" sz="2400"/>
-              <a:t>-да запазва билет</a:t>
-            </a:r>
-            <a:endParaRPr sz="2400"/>
-          </a:p>
-          <a:p>
-            <a:pPr marL="342900" lvl="0" indent="-190500" algn="l" rtl="0">
-              <a:spcBef>
-                <a:spcPts val="480"/>
-              </a:spcBef>
-              <a:spcAft>
-                <a:spcPts val="0"/>
-              </a:spcAft>
-              <a:buClr>
-                <a:schemeClr val="dk1"/>
-              </a:buClr>
-              <a:buSzPts val="2400"/>
-              <a:buFont typeface="Arial"/>
-              <a:buNone/>
-            </a:pPr>
-            <a:endParaRPr sz="2400"/>
+              <a:rPr lang="ru-RU" sz="2000" dirty="0"/>
+              <a:t>-да </a:t>
+            </a:r>
+            <a:r>
+              <a:rPr lang="ru-RU" sz="2000" dirty="0" err="1"/>
+              <a:t>запазва</a:t>
+            </a:r>
+            <a:r>
+              <a:rPr lang="ru-RU" sz="2000" dirty="0"/>
+              <a:t> билет</a:t>
+            </a:r>
+            <a:endParaRPr sz="2000" dirty="0"/>
           </a:p>
           <a:p>
             <a:pPr marL="342900" lvl="0" indent="-342900" algn="l" rtl="0">
@@ -10175,148 +9536,336 @@
               <a:buChar char="•"/>
             </a:pPr>
             <a:r>
-              <a:rPr lang="ru-RU" sz="2400"/>
-              <a:t>-да проверява всичките си билети</a:t>
-            </a:r>
-            <a:endParaRPr/>
+              <a:rPr lang="ru-RU" sz="2000" dirty="0"/>
+              <a:t>-да </a:t>
+            </a:r>
+            <a:r>
+              <a:rPr lang="ru-RU" sz="2000" dirty="0" err="1"/>
+              <a:t>проверява</a:t>
+            </a:r>
+            <a:r>
+              <a:rPr lang="ru-RU" sz="2000" dirty="0"/>
+              <a:t> </a:t>
+            </a:r>
+            <a:r>
+              <a:rPr lang="ru-RU" sz="2000" dirty="0" err="1"/>
+              <a:t>всичките</a:t>
+            </a:r>
+            <a:r>
+              <a:rPr lang="ru-RU" sz="2000" dirty="0"/>
+              <a:t> си </a:t>
+            </a:r>
+            <a:r>
+              <a:rPr lang="ru-RU" sz="2000" dirty="0" err="1"/>
+              <a:t>билети</a:t>
+            </a:r>
+            <a:endParaRPr lang="en-GB" sz="2000" dirty="0"/>
+          </a:p>
+          <a:p>
+            <a:pPr marL="342900" lvl="0" indent="-342900" algn="l" rtl="0">
+              <a:spcBef>
+                <a:spcPts val="0"/>
+              </a:spcBef>
+              <a:spcAft>
+                <a:spcPts val="0"/>
+              </a:spcAft>
+              <a:buClr>
+                <a:schemeClr val="dk1"/>
+              </a:buClr>
+              <a:buSzPts val="2800"/>
+              <a:buFont typeface="Arial"/>
+              <a:buChar char="•"/>
+            </a:pPr>
+            <a:r>
+              <a:rPr lang="ru-RU" sz="2000" b="1" dirty="0"/>
+              <a:t>Админ</a:t>
+            </a:r>
+            <a:r>
+              <a:rPr lang="ru-RU" sz="2000" dirty="0"/>
+              <a:t> :</a:t>
+            </a:r>
+          </a:p>
+          <a:p>
+            <a:pPr marL="342900" lvl="0" indent="-342900" algn="l" rtl="0">
+              <a:spcBef>
+                <a:spcPts val="400"/>
+              </a:spcBef>
+              <a:spcAft>
+                <a:spcPts val="0"/>
+              </a:spcAft>
+              <a:buClr>
+                <a:schemeClr val="dk1"/>
+              </a:buClr>
+              <a:buSzPts val="2000"/>
+              <a:buFont typeface="Arial"/>
+              <a:buChar char="•"/>
+            </a:pPr>
+            <a:r>
+              <a:rPr lang="ru-RU" sz="2000" dirty="0"/>
+              <a:t> - да </a:t>
+            </a:r>
+            <a:r>
+              <a:rPr lang="ru-RU" sz="2000" dirty="0" err="1"/>
+              <a:t>добавя</a:t>
+            </a:r>
+            <a:r>
+              <a:rPr lang="ru-RU" sz="2000" dirty="0"/>
+              <a:t>, </a:t>
+            </a:r>
+            <a:r>
+              <a:rPr lang="ru-RU" sz="2000" dirty="0" err="1"/>
+              <a:t>изтрива</a:t>
+            </a:r>
+            <a:r>
+              <a:rPr lang="ru-RU" sz="2000" dirty="0"/>
+              <a:t>, </a:t>
+            </a:r>
+            <a:r>
+              <a:rPr lang="ru-RU" sz="2000" dirty="0" err="1"/>
+              <a:t>редактира</a:t>
+            </a:r>
+            <a:r>
+              <a:rPr lang="ru-RU" sz="2000" dirty="0"/>
+              <a:t> </a:t>
+            </a:r>
+            <a:r>
+              <a:rPr lang="ru-RU" sz="2000" dirty="0" err="1"/>
+              <a:t>кина</a:t>
+            </a:r>
+            <a:endParaRPr lang="ru-RU" sz="2000" dirty="0"/>
+          </a:p>
+          <a:p>
+            <a:pPr marL="342900" lvl="0" indent="-342900" algn="l" rtl="0">
+              <a:spcBef>
+                <a:spcPts val="400"/>
+              </a:spcBef>
+              <a:spcAft>
+                <a:spcPts val="0"/>
+              </a:spcAft>
+              <a:buClr>
+                <a:schemeClr val="dk1"/>
+              </a:buClr>
+              <a:buSzPts val="2000"/>
+              <a:buFont typeface="Arial"/>
+              <a:buChar char="•"/>
+            </a:pPr>
+            <a:r>
+              <a:rPr lang="ru-RU" sz="2000" dirty="0"/>
+              <a:t>- да </a:t>
+            </a:r>
+            <a:r>
+              <a:rPr lang="ru-RU" sz="2000" dirty="0" err="1"/>
+              <a:t>добавя</a:t>
+            </a:r>
+            <a:r>
+              <a:rPr lang="ru-RU" sz="2000" dirty="0"/>
+              <a:t>, </a:t>
+            </a:r>
+            <a:r>
+              <a:rPr lang="ru-RU" sz="2000" dirty="0" err="1"/>
+              <a:t>изтрива</a:t>
+            </a:r>
+            <a:r>
+              <a:rPr lang="ru-RU" sz="2000" dirty="0"/>
+              <a:t>, </a:t>
+            </a:r>
+            <a:r>
+              <a:rPr lang="ru-RU" sz="2000" dirty="0" err="1"/>
+              <a:t>редактира</a:t>
+            </a:r>
+            <a:r>
+              <a:rPr lang="ru-RU" sz="2000" dirty="0"/>
+              <a:t> </a:t>
+            </a:r>
+            <a:r>
+              <a:rPr lang="ru-RU" sz="2000" dirty="0" err="1"/>
+              <a:t>зали</a:t>
+            </a:r>
+            <a:endParaRPr lang="ru-RU" sz="2000" dirty="0"/>
+          </a:p>
+          <a:p>
+            <a:pPr marL="342900" lvl="0" indent="-342900" algn="l" rtl="0">
+              <a:spcBef>
+                <a:spcPts val="400"/>
+              </a:spcBef>
+              <a:spcAft>
+                <a:spcPts val="0"/>
+              </a:spcAft>
+              <a:buClr>
+                <a:schemeClr val="dk1"/>
+              </a:buClr>
+              <a:buSzPts val="2000"/>
+              <a:buFont typeface="Arial"/>
+              <a:buChar char="•"/>
+            </a:pPr>
+            <a:r>
+              <a:rPr lang="ru-RU" sz="2000" dirty="0"/>
+              <a:t> -да </a:t>
+            </a:r>
+            <a:r>
+              <a:rPr lang="ru-RU" sz="2000" dirty="0" err="1"/>
+              <a:t>добавя</a:t>
+            </a:r>
+            <a:r>
+              <a:rPr lang="ru-RU" sz="2000" dirty="0"/>
+              <a:t>, </a:t>
+            </a:r>
+            <a:r>
+              <a:rPr lang="ru-RU" sz="2000" dirty="0" err="1"/>
+              <a:t>изтрива</a:t>
+            </a:r>
+            <a:r>
+              <a:rPr lang="ru-RU" sz="2000" dirty="0"/>
+              <a:t>, </a:t>
+            </a:r>
+            <a:r>
+              <a:rPr lang="ru-RU" sz="2000" dirty="0" err="1"/>
+              <a:t>редактрира</a:t>
+            </a:r>
+            <a:r>
+              <a:rPr lang="ru-RU" sz="2000" dirty="0"/>
+              <a:t> </a:t>
+            </a:r>
+            <a:r>
+              <a:rPr lang="ru-RU" sz="2000" dirty="0" err="1"/>
+              <a:t>прожекции</a:t>
+            </a:r>
+            <a:endParaRPr lang="ru-RU" sz="2000" dirty="0"/>
+          </a:p>
+          <a:p>
+            <a:pPr marL="342900" lvl="0" indent="-342900" algn="l" rtl="0">
+              <a:spcBef>
+                <a:spcPts val="400"/>
+              </a:spcBef>
+              <a:spcAft>
+                <a:spcPts val="0"/>
+              </a:spcAft>
+              <a:buClr>
+                <a:schemeClr val="dk1"/>
+              </a:buClr>
+              <a:buSzPts val="2000"/>
+              <a:buFont typeface="Arial"/>
+              <a:buChar char="•"/>
+            </a:pPr>
+            <a:r>
+              <a:rPr lang="ru-RU" sz="2000" dirty="0"/>
+              <a:t> - да </a:t>
+            </a:r>
+            <a:r>
+              <a:rPr lang="ru-RU" sz="2000" dirty="0" err="1"/>
+              <a:t>добавя</a:t>
+            </a:r>
+            <a:r>
+              <a:rPr lang="ru-RU" sz="2000" dirty="0"/>
+              <a:t>, </a:t>
+            </a:r>
+            <a:r>
+              <a:rPr lang="ru-RU" sz="2000" dirty="0" err="1"/>
+              <a:t>изтрива</a:t>
+            </a:r>
+            <a:r>
+              <a:rPr lang="ru-RU" sz="2000" dirty="0"/>
+              <a:t> </a:t>
+            </a:r>
+            <a:r>
+              <a:rPr lang="ru-RU" sz="2000" dirty="0" err="1"/>
+              <a:t>филми</a:t>
+            </a:r>
+            <a:endParaRPr lang="ru-RU" sz="2000" dirty="0"/>
+          </a:p>
+          <a:p>
+            <a:pPr marL="342900" lvl="0" indent="-342900" algn="l" rtl="0">
+              <a:spcBef>
+                <a:spcPts val="560"/>
+              </a:spcBef>
+              <a:spcAft>
+                <a:spcPts val="0"/>
+              </a:spcAft>
+              <a:buClr>
+                <a:schemeClr val="dk1"/>
+              </a:buClr>
+              <a:buSzPts val="2800"/>
+              <a:buFont typeface="Arial"/>
+              <a:buChar char="•"/>
+            </a:pPr>
+            <a:r>
+              <a:rPr lang="ru-RU" sz="2000" dirty="0"/>
+              <a:t>-</a:t>
+            </a:r>
+            <a:r>
+              <a:rPr lang="ru-RU" sz="2000" dirty="0" err="1"/>
+              <a:t>достъп</a:t>
+            </a:r>
+            <a:r>
+              <a:rPr lang="ru-RU" sz="2000" dirty="0"/>
+              <a:t> до статистика за </a:t>
+            </a:r>
+            <a:r>
+              <a:rPr lang="ru-RU" sz="2000" dirty="0" err="1"/>
+              <a:t>продадени</a:t>
+            </a:r>
+            <a:r>
+              <a:rPr lang="ru-RU" sz="2000" dirty="0"/>
+              <a:t> </a:t>
+            </a:r>
+            <a:r>
+              <a:rPr lang="ru-RU" sz="2000" dirty="0" err="1"/>
+              <a:t>билети</a:t>
+            </a:r>
+            <a:r>
+              <a:rPr lang="ru-RU" sz="2000" dirty="0"/>
+              <a:t> за </a:t>
+            </a:r>
+            <a:r>
+              <a:rPr lang="ru-RU" sz="2000" dirty="0" err="1"/>
+              <a:t>прожекции</a:t>
+            </a:r>
+            <a:r>
+              <a:rPr lang="ru-RU" sz="2000" dirty="0"/>
+              <a:t> по </a:t>
+            </a:r>
+            <a:r>
+              <a:rPr lang="ru-RU" sz="2000" dirty="0" err="1"/>
+              <a:t>зали</a:t>
+            </a:r>
+            <a:endParaRPr lang="ru-RU" sz="2000" dirty="0"/>
+          </a:p>
+          <a:p>
+            <a:pPr marL="342900" lvl="0" indent="-342900" algn="l" rtl="0">
+              <a:spcBef>
+                <a:spcPts val="400"/>
+              </a:spcBef>
+              <a:spcAft>
+                <a:spcPts val="0"/>
+              </a:spcAft>
+              <a:buClr>
+                <a:schemeClr val="dk1"/>
+              </a:buClr>
+              <a:buSzPts val="2000"/>
+              <a:buFont typeface="Arial"/>
+              <a:buChar char="•"/>
+            </a:pPr>
+            <a:endParaRPr lang="ru-RU" sz="2000" dirty="0"/>
+          </a:p>
+          <a:p>
+            <a:pPr marL="342900" lvl="0" indent="-342900" algn="l" rtl="0">
+              <a:spcBef>
+                <a:spcPts val="480"/>
+              </a:spcBef>
+              <a:spcAft>
+                <a:spcPts val="0"/>
+              </a:spcAft>
+              <a:buClr>
+                <a:schemeClr val="dk1"/>
+              </a:buClr>
+              <a:buSzPts val="2400"/>
+              <a:buFont typeface="Arial"/>
+              <a:buChar char="•"/>
+            </a:pPr>
+            <a:endParaRPr sz="2000" dirty="0"/>
           </a:p>
         </p:txBody>
       </p:sp>
-      <p:pic>
-        <p:nvPicPr>
-          <p:cNvPr id="91" name="Google Shape;91;p17"/>
-          <p:cNvPicPr preferRelativeResize="0"/>
-          <p:nvPr/>
-        </p:nvPicPr>
-        <p:blipFill rotWithShape="1">
-          <a:blip r:embed="rId3">
-            <a:alphaModFix/>
-          </a:blip>
-          <a:srcRect/>
-          <a:stretch/>
-        </p:blipFill>
-        <p:spPr>
-          <a:xfrm>
-            <a:off x="-6896" y="3329102"/>
-            <a:ext cx="9144000" cy="328246"/>
-          </a:xfrm>
-          <a:prstGeom prst="rect">
-            <a:avLst/>
-          </a:prstGeom>
-          <a:noFill/>
-          <a:ln>
-            <a:noFill/>
-          </a:ln>
-        </p:spPr>
-      </p:pic>
-      <p:pic>
-        <p:nvPicPr>
-          <p:cNvPr id="92" name="Google Shape;92;p17"/>
-          <p:cNvPicPr preferRelativeResize="0"/>
-          <p:nvPr/>
-        </p:nvPicPr>
-        <p:blipFill rotWithShape="1">
-          <a:blip r:embed="rId4">
-            <a:alphaModFix/>
-          </a:blip>
-          <a:srcRect/>
-          <a:stretch/>
-        </p:blipFill>
-        <p:spPr>
-          <a:xfrm>
-            <a:off x="-6896" y="2916839"/>
-            <a:ext cx="9144000" cy="322841"/>
-          </a:xfrm>
-          <a:prstGeom prst="rect">
-            <a:avLst/>
-          </a:prstGeom>
-          <a:noFill/>
-          <a:ln>
-            <a:noFill/>
-          </a:ln>
-        </p:spPr>
-      </p:pic>
-      <p:pic>
-        <p:nvPicPr>
-          <p:cNvPr id="93" name="Google Shape;93;p17"/>
-          <p:cNvPicPr preferRelativeResize="0"/>
-          <p:nvPr/>
-        </p:nvPicPr>
-        <p:blipFill rotWithShape="1">
-          <a:blip r:embed="rId5">
-            <a:alphaModFix/>
-          </a:blip>
-          <a:srcRect/>
-          <a:stretch/>
-        </p:blipFill>
-        <p:spPr>
-          <a:xfrm>
-            <a:off x="-33144" y="4262421"/>
-            <a:ext cx="9144000" cy="318868"/>
-          </a:xfrm>
-          <a:prstGeom prst="rect">
-            <a:avLst/>
-          </a:prstGeom>
-          <a:noFill/>
-          <a:ln>
-            <a:noFill/>
-          </a:ln>
-        </p:spPr>
-      </p:pic>
-      <p:pic>
-        <p:nvPicPr>
-          <p:cNvPr id="94" name="Google Shape;94;p17"/>
-          <p:cNvPicPr preferRelativeResize="0"/>
-          <p:nvPr/>
-        </p:nvPicPr>
-        <p:blipFill rotWithShape="1">
-          <a:blip r:embed="rId6">
-            <a:alphaModFix/>
-          </a:blip>
-          <a:srcRect/>
-          <a:stretch/>
-        </p:blipFill>
-        <p:spPr>
-          <a:xfrm>
-            <a:off x="-33144" y="5101603"/>
-            <a:ext cx="9144000" cy="399585"/>
-          </a:xfrm>
-          <a:prstGeom prst="rect">
-            <a:avLst/>
-          </a:prstGeom>
-          <a:noFill/>
-          <a:ln>
-            <a:noFill/>
-          </a:ln>
-        </p:spPr>
-      </p:pic>
-      <p:pic>
-        <p:nvPicPr>
-          <p:cNvPr id="95" name="Google Shape;95;p17"/>
-          <p:cNvPicPr preferRelativeResize="0"/>
-          <p:nvPr/>
-        </p:nvPicPr>
-        <p:blipFill rotWithShape="1">
-          <a:blip r:embed="rId7">
-            <a:alphaModFix/>
-          </a:blip>
-          <a:srcRect/>
-          <a:stretch/>
-        </p:blipFill>
-        <p:spPr>
-          <a:xfrm>
-            <a:off x="-33144" y="6106081"/>
-            <a:ext cx="9144000" cy="358219"/>
-          </a:xfrm>
-          <a:prstGeom prst="rect">
-            <a:avLst/>
-          </a:prstGeom>
-          <a:noFill/>
-          <a:ln>
-            <a:noFill/>
-          </a:ln>
-        </p:spPr>
-      </p:pic>
     </p:spTree>
   </p:cSld>
   <p:clrMapOvr>
@@ -10325,12 +9874,12 @@
 </p:sld>
 </file>
 
-<file path=ppt/slides/slide6.xml><?xml version="1.0" encoding="utf-8"?>
+<file path=ppt/slides/slide5.xml><?xml version="1.0" encoding="utf-8"?>
 <p:sld xmlns:a="http://schemas.openxmlformats.org/drawingml/2006/main" xmlns:r="http://schemas.openxmlformats.org/officeDocument/2006/relationships" xmlns:p="http://schemas.openxmlformats.org/presentationml/2006/main">
   <p:cSld>
     <p:spTree>
       <p:nvGrpSpPr>
-        <p:cNvPr id="1" name="Shape 99"/>
+        <p:cNvPr id="1" name=""/>
         <p:cNvGrpSpPr/>
         <p:nvPr/>
       </p:nvGrpSpPr>
@@ -10344,438 +9893,129 @@
       </p:grpSpPr>
       <p:sp>
         <p:nvSpPr>
-          <p:cNvPr id="100" name="Google Shape;100;p18"/>
-          <p:cNvSpPr txBox="1">
+          <p:cNvPr id="2" name="Заглавие 1">
+            <a:extLst>
+              <a:ext uri="{FF2B5EF4-FFF2-40B4-BE49-F238E27FC236}">
+                <a16:creationId xmlns:a16="http://schemas.microsoft.com/office/drawing/2014/main" id="{350F879B-68C2-4C10-B47F-70FFC3CF0904}"/>
+              </a:ext>
+            </a:extLst>
+          </p:cNvPr>
+          <p:cNvSpPr>
             <a:spLocks noGrp="1"/>
           </p:cNvSpPr>
           <p:nvPr>
             <p:ph type="title"/>
           </p:nvPr>
         </p:nvSpPr>
-        <p:spPr>
-          <a:xfrm>
-            <a:off x="1187450" y="400050"/>
-            <a:ext cx="7632700" cy="508000"/>
-          </a:xfrm>
-          <a:prstGeom prst="rect">
-            <a:avLst/>
-          </a:prstGeom>
-          <a:noFill/>
-          <a:ln>
-            <a:noFill/>
-          </a:ln>
-        </p:spPr>
+        <p:spPr/>
         <p:txBody>
-          <a:bodyPr spcFirstLastPara="1" wrap="square" lIns="91425" tIns="45700" rIns="91425" bIns="45700" anchor="ctr" anchorCtr="0">
-            <a:noAutofit/>
-          </a:bodyPr>
+          <a:bodyPr/>
           <a:lstStyle/>
           <a:p>
-            <a:pPr marL="0" lvl="0" indent="0" algn="r" rtl="0">
-              <a:spcBef>
-                <a:spcPts val="0"/>
-              </a:spcBef>
-              <a:spcAft>
-                <a:spcPts val="0"/>
-              </a:spcAft>
-              <a:buNone/>
-            </a:pPr>
-            <a:r>
-              <a:rPr lang="ru-RU"/>
-              <a:t>Functionallity</a:t>
-            </a:r>
-            <a:endParaRPr/>
-          </a:p>
-        </p:txBody>
-      </p:sp>
-      <p:sp>
-        <p:nvSpPr>
-          <p:cNvPr id="101" name="Google Shape;101;p18"/>
-          <p:cNvSpPr txBox="1">
-            <a:spLocks noGrp="1"/>
-          </p:cNvSpPr>
-          <p:nvPr>
-            <p:ph type="body" idx="1"/>
-          </p:nvPr>
-        </p:nvSpPr>
-        <p:spPr>
-          <a:xfrm>
-            <a:off x="1095300" y="1412875"/>
-            <a:ext cx="7725000" cy="5326800"/>
-          </a:xfrm>
-          <a:prstGeom prst="rect">
-            <a:avLst/>
-          </a:prstGeom>
-          <a:noFill/>
-          <a:ln>
-            <a:noFill/>
-          </a:ln>
-        </p:spPr>
-        <p:txBody>
-          <a:bodyPr spcFirstLastPara="1" wrap="square" lIns="91425" tIns="45700" rIns="91425" bIns="45700" anchor="t" anchorCtr="0">
-            <a:noAutofit/>
-          </a:bodyPr>
-          <a:lstStyle/>
-          <a:p>
-            <a:pPr marL="342900" lvl="0" indent="-342900" algn="l" rtl="0">
-              <a:spcBef>
-                <a:spcPts val="0"/>
-              </a:spcBef>
-              <a:spcAft>
-                <a:spcPts val="0"/>
-              </a:spcAft>
-              <a:buClr>
-                <a:schemeClr val="dk1"/>
-              </a:buClr>
-              <a:buSzPts val="2800"/>
-              <a:buFont typeface="Arial"/>
-              <a:buChar char="•"/>
-            </a:pPr>
-            <a:r>
-              <a:rPr lang="ru-RU" b="1"/>
-              <a:t>Админ</a:t>
-            </a:r>
-            <a:r>
-              <a:rPr lang="ru-RU"/>
-              <a:t> :</a:t>
-            </a:r>
-            <a:endParaRPr/>
-          </a:p>
-          <a:p>
-            <a:pPr marL="342900" lvl="0" indent="-342900" algn="l" rtl="0">
-              <a:spcBef>
-                <a:spcPts val="400"/>
-              </a:spcBef>
-              <a:spcAft>
-                <a:spcPts val="0"/>
-              </a:spcAft>
-              <a:buClr>
-                <a:schemeClr val="dk1"/>
-              </a:buClr>
-              <a:buSzPts val="2000"/>
-              <a:buFont typeface="Arial"/>
-              <a:buChar char="•"/>
-            </a:pPr>
-            <a:r>
-              <a:rPr lang="ru-RU" sz="2000"/>
-              <a:t> - да добавя, изтрива, редактира кина</a:t>
-            </a:r>
-            <a:endParaRPr sz="2000"/>
-          </a:p>
-          <a:p>
-            <a:pPr marL="342900" lvl="0" indent="-215900" algn="l" rtl="0">
-              <a:spcBef>
-                <a:spcPts val="400"/>
-              </a:spcBef>
-              <a:spcAft>
-                <a:spcPts val="0"/>
-              </a:spcAft>
-              <a:buClr>
-                <a:schemeClr val="dk1"/>
-              </a:buClr>
-              <a:buSzPts val="2000"/>
-              <a:buFont typeface="Arial"/>
-              <a:buNone/>
-            </a:pPr>
-            <a:endParaRPr sz="2000"/>
-          </a:p>
-          <a:p>
-            <a:pPr marL="342900" lvl="0" indent="-215900" algn="l" rtl="0">
-              <a:spcBef>
-                <a:spcPts val="400"/>
-              </a:spcBef>
-              <a:spcAft>
-                <a:spcPts val="0"/>
-              </a:spcAft>
-              <a:buClr>
-                <a:schemeClr val="dk1"/>
-              </a:buClr>
-              <a:buSzPts val="2000"/>
-              <a:buFont typeface="Arial"/>
-              <a:buNone/>
-            </a:pPr>
-            <a:endParaRPr sz="2000"/>
-          </a:p>
-          <a:p>
-            <a:pPr marL="342900" lvl="0" indent="-342900" algn="l" rtl="0">
-              <a:spcBef>
-                <a:spcPts val="400"/>
-              </a:spcBef>
-              <a:spcAft>
-                <a:spcPts val="0"/>
-              </a:spcAft>
-              <a:buClr>
-                <a:schemeClr val="dk1"/>
-              </a:buClr>
-              <a:buSzPts val="2000"/>
-              <a:buFont typeface="Arial"/>
-              <a:buChar char="•"/>
-            </a:pPr>
-            <a:r>
-              <a:rPr lang="ru-RU" sz="2000"/>
-              <a:t> </a:t>
-            </a:r>
-            <a:endParaRPr sz="2000"/>
-          </a:p>
-          <a:p>
-            <a:pPr marL="342900" lvl="0" indent="-342900" algn="l" rtl="0">
-              <a:spcBef>
-                <a:spcPts val="400"/>
-              </a:spcBef>
-              <a:spcAft>
-                <a:spcPts val="0"/>
-              </a:spcAft>
-              <a:buClr>
-                <a:schemeClr val="dk1"/>
-              </a:buClr>
-              <a:buSzPts val="2000"/>
-              <a:buFont typeface="Arial"/>
-              <a:buChar char="•"/>
-            </a:pPr>
-            <a:r>
-              <a:rPr lang="ru-RU" sz="2000"/>
-              <a:t>- да добавя, изтрива, редактира зали</a:t>
-            </a:r>
-            <a:endParaRPr sz="2000"/>
-          </a:p>
-          <a:p>
-            <a:pPr marL="342900" lvl="0" indent="-215900" algn="l" rtl="0">
-              <a:spcBef>
-                <a:spcPts val="400"/>
-              </a:spcBef>
-              <a:spcAft>
-                <a:spcPts val="0"/>
-              </a:spcAft>
-              <a:buClr>
-                <a:schemeClr val="dk1"/>
-              </a:buClr>
-              <a:buSzPts val="2000"/>
-              <a:buFont typeface="Arial"/>
-              <a:buNone/>
-            </a:pPr>
-            <a:endParaRPr sz="2000"/>
-          </a:p>
-          <a:p>
-            <a:pPr marL="342900" lvl="0" indent="-342900" algn="l" rtl="0">
-              <a:spcBef>
-                <a:spcPts val="400"/>
-              </a:spcBef>
-              <a:spcAft>
-                <a:spcPts val="0"/>
-              </a:spcAft>
-              <a:buClr>
-                <a:schemeClr val="dk1"/>
-              </a:buClr>
-              <a:buSzPts val="2000"/>
-              <a:buFont typeface="Arial"/>
-              <a:buChar char="•"/>
-            </a:pPr>
-            <a:r>
-              <a:rPr lang="ru-RU" sz="2000"/>
-              <a:t> -да добавя, изтрива, редактрирва прожекции</a:t>
-            </a:r>
-            <a:endParaRPr sz="2000"/>
-          </a:p>
-          <a:p>
-            <a:pPr marL="342900" lvl="0" indent="-215900" algn="l" rtl="0">
-              <a:spcBef>
-                <a:spcPts val="400"/>
-              </a:spcBef>
-              <a:spcAft>
-                <a:spcPts val="0"/>
-              </a:spcAft>
-              <a:buClr>
-                <a:schemeClr val="dk1"/>
-              </a:buClr>
-              <a:buSzPts val="2000"/>
-              <a:buFont typeface="Arial"/>
-              <a:buNone/>
-            </a:pPr>
-            <a:endParaRPr sz="2000"/>
-          </a:p>
-          <a:p>
-            <a:pPr marL="342900" lvl="0" indent="-342900" algn="l" rtl="0">
-              <a:spcBef>
-                <a:spcPts val="400"/>
-              </a:spcBef>
-              <a:spcAft>
-                <a:spcPts val="0"/>
-              </a:spcAft>
-              <a:buClr>
-                <a:schemeClr val="dk1"/>
-              </a:buClr>
-              <a:buSzPts val="2000"/>
-              <a:buFont typeface="Arial"/>
-              <a:buChar char="•"/>
-            </a:pPr>
-            <a:r>
-              <a:rPr lang="ru-RU" sz="2000"/>
-              <a:t> - да добавя, изтрива филми</a:t>
-            </a:r>
-            <a:endParaRPr sz="2000"/>
-          </a:p>
-          <a:p>
-            <a:pPr marL="342900" lvl="0" indent="-215900" algn="l" rtl="0">
-              <a:spcBef>
-                <a:spcPts val="400"/>
-              </a:spcBef>
-              <a:spcAft>
-                <a:spcPts val="0"/>
-              </a:spcAft>
-              <a:buClr>
-                <a:schemeClr val="dk1"/>
-              </a:buClr>
-              <a:buSzPts val="2000"/>
-              <a:buFont typeface="Arial"/>
-              <a:buNone/>
-            </a:pPr>
-            <a:endParaRPr sz="2000"/>
-          </a:p>
-          <a:p>
-            <a:pPr marL="342900" lvl="0" indent="-215900" algn="l" rtl="0">
-              <a:spcBef>
-                <a:spcPts val="400"/>
-              </a:spcBef>
-              <a:spcAft>
-                <a:spcPts val="0"/>
-              </a:spcAft>
-              <a:buClr>
-                <a:schemeClr val="dk1"/>
-              </a:buClr>
-              <a:buSzPts val="2000"/>
-              <a:buFont typeface="Arial"/>
-              <a:buNone/>
-            </a:pPr>
-            <a:endParaRPr sz="2000"/>
-          </a:p>
-          <a:p>
-            <a:pPr marL="342900" lvl="0" indent="-165100" algn="l" rtl="0">
-              <a:spcBef>
-                <a:spcPts val="560"/>
-              </a:spcBef>
-              <a:spcAft>
-                <a:spcPts val="0"/>
-              </a:spcAft>
-              <a:buClr>
-                <a:schemeClr val="dk1"/>
-              </a:buClr>
-              <a:buSzPts val="2800"/>
-              <a:buFont typeface="Arial"/>
-              <a:buNone/>
-            </a:pPr>
-            <a:endParaRPr/>
+            <a:r>
+              <a:rPr lang="en-GB" dirty="0"/>
+              <a:t>END POINTS</a:t>
+            </a:r>
+            <a:endParaRPr lang="bg-BG" dirty="0"/>
           </a:p>
         </p:txBody>
       </p:sp>
       <p:pic>
         <p:nvPicPr>
-          <p:cNvPr id="102" name="Google Shape;102;p18"/>
-          <p:cNvPicPr preferRelativeResize="0"/>
+          <p:cNvPr id="4" name="Картина 3">
+            <a:extLst>
+              <a:ext uri="{FF2B5EF4-FFF2-40B4-BE49-F238E27FC236}">
+                <a16:creationId xmlns:a16="http://schemas.microsoft.com/office/drawing/2014/main" id="{8E67D3B7-C959-4779-BBFE-4D57FAFBCF7B}"/>
+              </a:ext>
+            </a:extLst>
+          </p:cNvPr>
+          <p:cNvPicPr>
+            <a:picLocks noChangeAspect="1"/>
+          </p:cNvPicPr>
           <p:nvPr/>
         </p:nvPicPr>
-        <p:blipFill rotWithShape="1">
-          <a:blip r:embed="rId3">
-            <a:alphaModFix/>
-          </a:blip>
-          <a:srcRect/>
-          <a:stretch/>
+        <p:blipFill>
+          <a:blip r:embed="rId2"/>
+          <a:stretch>
+            <a:fillRect/>
+          </a:stretch>
         </p:blipFill>
         <p:spPr>
           <a:xfrm>
-            <a:off x="-288" y="2348880"/>
-            <a:ext cx="9144000" cy="694719"/>
+            <a:off x="0" y="865936"/>
+            <a:ext cx="9144000" cy="2429198"/>
           </a:xfrm>
           <a:prstGeom prst="rect">
             <a:avLst/>
           </a:prstGeom>
-          <a:noFill/>
-          <a:ln>
-            <a:noFill/>
-          </a:ln>
         </p:spPr>
       </p:pic>
       <p:pic>
         <p:nvPicPr>
-          <p:cNvPr id="103" name="Google Shape;103;p18"/>
-          <p:cNvPicPr preferRelativeResize="0"/>
+          <p:cNvPr id="8" name="Картина 7">
+            <a:extLst>
+              <a:ext uri="{FF2B5EF4-FFF2-40B4-BE49-F238E27FC236}">
+                <a16:creationId xmlns:a16="http://schemas.microsoft.com/office/drawing/2014/main" id="{4B789186-1AB8-4508-ABE0-E45765CAE769}"/>
+              </a:ext>
+            </a:extLst>
+          </p:cNvPr>
+          <p:cNvPicPr>
+            <a:picLocks noChangeAspect="1"/>
+          </p:cNvPicPr>
           <p:nvPr/>
         </p:nvPicPr>
-        <p:blipFill rotWithShape="1">
-          <a:blip r:embed="rId4">
-            <a:alphaModFix/>
-          </a:blip>
-          <a:srcRect/>
-          <a:stretch/>
+        <p:blipFill>
+          <a:blip r:embed="rId3"/>
+          <a:stretch>
+            <a:fillRect/>
+          </a:stretch>
         </p:blipFill>
         <p:spPr>
           <a:xfrm>
-            <a:off x="0" y="3070412"/>
-            <a:ext cx="9144000" cy="358588"/>
+            <a:off x="0" y="3335198"/>
+            <a:ext cx="9144000" cy="2051892"/>
           </a:xfrm>
           <a:prstGeom prst="rect">
             <a:avLst/>
           </a:prstGeom>
-          <a:noFill/>
-          <a:ln>
-            <a:noFill/>
-          </a:ln>
         </p:spPr>
       </p:pic>
       <p:pic>
         <p:nvPicPr>
-          <p:cNvPr id="104" name="Google Shape;104;p18"/>
-          <p:cNvPicPr preferRelativeResize="0"/>
+          <p:cNvPr id="10" name="Картина 9">
+            <a:extLst>
+              <a:ext uri="{FF2B5EF4-FFF2-40B4-BE49-F238E27FC236}">
+                <a16:creationId xmlns:a16="http://schemas.microsoft.com/office/drawing/2014/main" id="{5E981207-F9F3-45CD-A74D-26A536BA7272}"/>
+              </a:ext>
+            </a:extLst>
+          </p:cNvPr>
+          <p:cNvPicPr>
+            <a:picLocks noChangeAspect="1"/>
+          </p:cNvPicPr>
           <p:nvPr/>
         </p:nvPicPr>
-        <p:blipFill rotWithShape="1">
-          <a:blip r:embed="rId5">
-            <a:alphaModFix/>
-          </a:blip>
-          <a:srcRect/>
-          <a:stretch/>
+        <p:blipFill>
+          <a:blip r:embed="rId4"/>
+          <a:stretch>
+            <a:fillRect/>
+          </a:stretch>
         </p:blipFill>
         <p:spPr>
           <a:xfrm>
-            <a:off x="39475" y="3725602"/>
-            <a:ext cx="9144001" cy="1102936"/>
+            <a:off x="0" y="5387090"/>
+            <a:ext cx="9144000" cy="1430846"/>
           </a:xfrm>
           <a:prstGeom prst="rect">
             <a:avLst/>
           </a:prstGeom>
-          <a:noFill/>
-          <a:ln>
-            <a:noFill/>
-          </a:ln>
-        </p:spPr>
-      </p:pic>
-      <p:pic>
-        <p:nvPicPr>
-          <p:cNvPr id="105" name="Google Shape;105;p18"/>
-          <p:cNvPicPr preferRelativeResize="0"/>
-          <p:nvPr/>
-        </p:nvPicPr>
-        <p:blipFill rotWithShape="1">
-          <a:blip r:embed="rId6">
-            <a:alphaModFix/>
-          </a:blip>
-          <a:srcRect/>
-          <a:stretch/>
-        </p:blipFill>
-        <p:spPr>
-          <a:xfrm>
-            <a:off x="39470" y="5125142"/>
-            <a:ext cx="9143999" cy="781379"/>
-          </a:xfrm>
-          <a:prstGeom prst="rect">
-            <a:avLst/>
-          </a:prstGeom>
-          <a:noFill/>
-          <a:ln>
-            <a:noFill/>
-          </a:ln>
         </p:spPr>
       </p:pic>
     </p:spTree>
+    <p:extLst>
+      <p:ext uri="{BB962C8B-B14F-4D97-AF65-F5344CB8AC3E}">
+        <p14:creationId xmlns:p14="http://schemas.microsoft.com/office/powerpoint/2010/main" val="3589970025"/>
+      </p:ext>
+    </p:extLst>
   </p:cSld>
   <p:clrMapOvr>
     <a:masterClrMapping/>
@@ -10783,12 +10023,12 @@
 </p:sld>
 </file>
 
-<file path=ppt/slides/slide7.xml><?xml version="1.0" encoding="utf-8"?>
+<file path=ppt/slides/slide6.xml><?xml version="1.0" encoding="utf-8"?>
 <p:sld xmlns:a="http://schemas.openxmlformats.org/drawingml/2006/main" xmlns:r="http://schemas.openxmlformats.org/officeDocument/2006/relationships" xmlns:p="http://schemas.openxmlformats.org/presentationml/2006/main">
   <p:cSld>
     <p:spTree>
       <p:nvGrpSpPr>
-        <p:cNvPr id="1" name="Shape 109"/>
+        <p:cNvPr id="1" name=""/>
         <p:cNvGrpSpPr/>
         <p:nvPr/>
       </p:nvGrpSpPr>
@@ -10802,508 +10042,150 @@
       </p:grpSpPr>
       <p:sp>
         <p:nvSpPr>
-          <p:cNvPr id="110" name="Google Shape;110;p19"/>
-          <p:cNvSpPr txBox="1">
+          <p:cNvPr id="2" name="Заглавие 1">
+            <a:extLst>
+              <a:ext uri="{FF2B5EF4-FFF2-40B4-BE49-F238E27FC236}">
+                <a16:creationId xmlns:a16="http://schemas.microsoft.com/office/drawing/2014/main" id="{9EE50D6F-3082-41AC-869D-5900950DBF99}"/>
+              </a:ext>
+            </a:extLst>
+          </p:cNvPr>
+          <p:cNvSpPr>
             <a:spLocks noGrp="1"/>
           </p:cNvSpPr>
           <p:nvPr>
             <p:ph type="title"/>
           </p:nvPr>
         </p:nvSpPr>
-        <p:spPr>
-          <a:xfrm>
-            <a:off x="1187450" y="400050"/>
-            <a:ext cx="7632700" cy="508000"/>
-          </a:xfrm>
-          <a:prstGeom prst="rect">
-            <a:avLst/>
-          </a:prstGeom>
-          <a:noFill/>
-          <a:ln>
-            <a:noFill/>
-          </a:ln>
-        </p:spPr>
+        <p:spPr/>
         <p:txBody>
-          <a:bodyPr spcFirstLastPara="1" wrap="square" lIns="91425" tIns="45700" rIns="91425" bIns="45700" anchor="ctr" anchorCtr="0">
-            <a:noAutofit/>
-          </a:bodyPr>
+          <a:bodyPr/>
           <a:lstStyle/>
           <a:p>
-            <a:pPr marL="0" lvl="0" indent="0" algn="r" rtl="0">
-              <a:spcBef>
-                <a:spcPts val="0"/>
-              </a:spcBef>
-              <a:spcAft>
-                <a:spcPts val="0"/>
-              </a:spcAft>
-              <a:buNone/>
-            </a:pPr>
-            <a:endParaRPr/>
+            <a:endParaRPr lang="bg-BG"/>
           </a:p>
         </p:txBody>
       </p:sp>
       <p:sp>
         <p:nvSpPr>
-          <p:cNvPr id="111" name="Google Shape;111;p19"/>
-          <p:cNvSpPr txBox="1">
+          <p:cNvPr id="3" name="Текстов контейнер 2">
+            <a:extLst>
+              <a:ext uri="{FF2B5EF4-FFF2-40B4-BE49-F238E27FC236}">
+                <a16:creationId xmlns:a16="http://schemas.microsoft.com/office/drawing/2014/main" id="{0AE8CD0E-CECA-4D9B-85C0-AF1C4E8A484B}"/>
+              </a:ext>
+            </a:extLst>
+          </p:cNvPr>
+          <p:cNvSpPr>
             <a:spLocks noGrp="1"/>
           </p:cNvSpPr>
           <p:nvPr>
             <p:ph type="body" idx="1"/>
           </p:nvPr>
         </p:nvSpPr>
-        <p:spPr>
-          <a:xfrm>
-            <a:off x="1187450" y="1412875"/>
-            <a:ext cx="7632700" cy="5256213"/>
-          </a:xfrm>
-          <a:prstGeom prst="rect">
-            <a:avLst/>
-          </a:prstGeom>
-          <a:noFill/>
-          <a:ln>
-            <a:noFill/>
-          </a:ln>
-        </p:spPr>
+        <p:spPr/>
         <p:txBody>
-          <a:bodyPr spcFirstLastPara="1" wrap="square" lIns="91425" tIns="45700" rIns="91425" bIns="45700" anchor="t" anchorCtr="0">
-            <a:noAutofit/>
-          </a:bodyPr>
+          <a:bodyPr/>
           <a:lstStyle/>
           <a:p>
-            <a:pPr marL="342900" lvl="0" indent="-342900" algn="l" rtl="0">
-              <a:spcBef>
-                <a:spcPts val="0"/>
-              </a:spcBef>
-              <a:spcAft>
-                <a:spcPts val="0"/>
-              </a:spcAft>
-              <a:buClr>
-                <a:schemeClr val="dk1"/>
-              </a:buClr>
-              <a:buSzPts val="2800"/>
-              <a:buFont typeface="Arial"/>
-              <a:buChar char="•"/>
-            </a:pPr>
-            <a:r>
-              <a:rPr lang="ru-RU"/>
-              <a:t>-добавяне, изтрива и редакция на прожекция</a:t>
-            </a:r>
-            <a:endParaRPr/>
-          </a:p>
-          <a:p>
-            <a:pPr marL="342900" lvl="0" indent="-165100" algn="l" rtl="0">
-              <a:spcBef>
-                <a:spcPts val="560"/>
-              </a:spcBef>
-              <a:spcAft>
-                <a:spcPts val="0"/>
-              </a:spcAft>
-              <a:buClr>
-                <a:schemeClr val="dk1"/>
-              </a:buClr>
-              <a:buSzPts val="2800"/>
-              <a:buFont typeface="Arial"/>
-              <a:buNone/>
-            </a:pPr>
-            <a:endParaRPr/>
-          </a:p>
-          <a:p>
-            <a:pPr marL="342900" lvl="0" indent="-165100" algn="l" rtl="0">
-              <a:spcBef>
-                <a:spcPts val="560"/>
-              </a:spcBef>
-              <a:spcAft>
-                <a:spcPts val="0"/>
-              </a:spcAft>
-              <a:buClr>
-                <a:schemeClr val="dk1"/>
-              </a:buClr>
-              <a:buSzPts val="2800"/>
-              <a:buFont typeface="Arial"/>
-              <a:buNone/>
-            </a:pPr>
-            <a:endParaRPr/>
-          </a:p>
-          <a:p>
-            <a:pPr marL="342900" lvl="0" indent="-165100" algn="l" rtl="0">
-              <a:spcBef>
-                <a:spcPts val="560"/>
-              </a:spcBef>
-              <a:spcAft>
-                <a:spcPts val="0"/>
-              </a:spcAft>
-              <a:buClr>
-                <a:schemeClr val="dk1"/>
-              </a:buClr>
-              <a:buSzPts val="2800"/>
-              <a:buFont typeface="Arial"/>
-              <a:buNone/>
-            </a:pPr>
-            <a:endParaRPr/>
-          </a:p>
-          <a:p>
-            <a:pPr marL="342900" lvl="0" indent="-342900" algn="l" rtl="0">
-              <a:spcBef>
-                <a:spcPts val="560"/>
-              </a:spcBef>
-              <a:spcAft>
-                <a:spcPts val="0"/>
-              </a:spcAft>
-              <a:buClr>
-                <a:schemeClr val="dk1"/>
-              </a:buClr>
-              <a:buSzPts val="2800"/>
-              <a:buFont typeface="Arial"/>
-              <a:buChar char="•"/>
-            </a:pPr>
-            <a:r>
-              <a:rPr lang="ru-RU"/>
-              <a:t>-достъп до статистика за продадени билети за прожекции по зали</a:t>
-            </a:r>
-            <a:endParaRPr/>
-          </a:p>
-          <a:p>
-            <a:pPr marL="342900" lvl="0" indent="-165100" algn="l" rtl="0">
-              <a:spcBef>
-                <a:spcPts val="560"/>
-              </a:spcBef>
-              <a:spcAft>
-                <a:spcPts val="0"/>
-              </a:spcAft>
-              <a:buClr>
-                <a:schemeClr val="dk1"/>
-              </a:buClr>
-              <a:buSzPts val="2800"/>
-              <a:buFont typeface="Arial"/>
-              <a:buNone/>
-            </a:pPr>
-            <a:endParaRPr/>
-          </a:p>
-          <a:p>
-            <a:pPr marL="342900" lvl="0" indent="-165100" algn="l" rtl="0">
-              <a:spcBef>
-                <a:spcPts val="560"/>
-              </a:spcBef>
-              <a:spcAft>
-                <a:spcPts val="0"/>
-              </a:spcAft>
-              <a:buClr>
-                <a:schemeClr val="dk1"/>
-              </a:buClr>
-              <a:buSzPts val="2800"/>
-              <a:buFont typeface="Arial"/>
-              <a:buNone/>
-            </a:pPr>
-            <a:endParaRPr/>
-          </a:p>
-          <a:p>
-            <a:pPr marL="342900" lvl="0" indent="-165100" algn="l" rtl="0">
-              <a:spcBef>
-                <a:spcPts val="560"/>
-              </a:spcBef>
-              <a:spcAft>
-                <a:spcPts val="0"/>
-              </a:spcAft>
-              <a:buClr>
-                <a:schemeClr val="dk1"/>
-              </a:buClr>
-              <a:buSzPts val="2800"/>
-              <a:buFont typeface="Arial"/>
-              <a:buNone/>
-            </a:pPr>
-            <a:endParaRPr/>
-          </a:p>
-          <a:p>
-            <a:pPr marL="342900" lvl="0" indent="-165100" algn="l" rtl="0">
-              <a:spcBef>
-                <a:spcPts val="560"/>
-              </a:spcBef>
-              <a:spcAft>
-                <a:spcPts val="0"/>
-              </a:spcAft>
-              <a:buClr>
-                <a:schemeClr val="dk1"/>
-              </a:buClr>
-              <a:buSzPts val="2800"/>
-              <a:buFont typeface="Arial"/>
-              <a:buNone/>
-            </a:pPr>
-            <a:endParaRPr/>
-          </a:p>
-          <a:p>
-            <a:pPr marL="342900" lvl="0" indent="-165100" algn="l" rtl="0">
-              <a:spcBef>
-                <a:spcPts val="560"/>
-              </a:spcBef>
-              <a:spcAft>
-                <a:spcPts val="0"/>
-              </a:spcAft>
-              <a:buClr>
-                <a:schemeClr val="dk1"/>
-              </a:buClr>
-              <a:buSzPts val="2800"/>
-              <a:buFont typeface="Arial"/>
-              <a:buNone/>
-            </a:pPr>
-            <a:endParaRPr/>
-          </a:p>
-          <a:p>
-            <a:pPr marL="342900" lvl="0" indent="-165100" algn="l" rtl="0">
-              <a:spcBef>
-                <a:spcPts val="560"/>
-              </a:spcBef>
-              <a:spcAft>
-                <a:spcPts val="0"/>
-              </a:spcAft>
-              <a:buClr>
-                <a:schemeClr val="dk1"/>
-              </a:buClr>
-              <a:buSzPts val="2800"/>
-              <a:buFont typeface="Arial"/>
-              <a:buNone/>
-            </a:pPr>
-            <a:endParaRPr/>
-          </a:p>
-          <a:p>
-            <a:pPr marL="342900" lvl="0" indent="-165100" algn="l" rtl="0">
-              <a:spcBef>
-                <a:spcPts val="560"/>
-              </a:spcBef>
-              <a:spcAft>
-                <a:spcPts val="0"/>
-              </a:spcAft>
-              <a:buClr>
-                <a:schemeClr val="dk1"/>
-              </a:buClr>
-              <a:buSzPts val="2800"/>
-              <a:buFont typeface="Arial"/>
-              <a:buNone/>
-            </a:pPr>
-            <a:endParaRPr/>
+            <a:endParaRPr lang="bg-BG" dirty="0"/>
           </a:p>
         </p:txBody>
       </p:sp>
       <p:pic>
         <p:nvPicPr>
-          <p:cNvPr id="112" name="Google Shape;112;p19"/>
-          <p:cNvPicPr preferRelativeResize="0"/>
+          <p:cNvPr id="4" name="Картина 3">
+            <a:extLst>
+              <a:ext uri="{FF2B5EF4-FFF2-40B4-BE49-F238E27FC236}">
+                <a16:creationId xmlns:a16="http://schemas.microsoft.com/office/drawing/2014/main" id="{05A29207-70DB-40BF-986E-7F00B652CC7D}"/>
+              </a:ext>
+            </a:extLst>
+          </p:cNvPr>
+          <p:cNvPicPr>
+            <a:picLocks noChangeAspect="1"/>
+          </p:cNvPicPr>
           <p:nvPr/>
         </p:nvPicPr>
-        <p:blipFill rotWithShape="1">
-          <a:blip r:embed="rId3">
-            <a:alphaModFix/>
-          </a:blip>
-          <a:srcRect/>
-          <a:stretch/>
+        <p:blipFill>
+          <a:blip r:embed="rId2"/>
+          <a:stretch>
+            <a:fillRect/>
+          </a:stretch>
         </p:blipFill>
         <p:spPr>
           <a:xfrm>
-            <a:off x="0" y="4901167"/>
-            <a:ext cx="9144000" cy="412652"/>
+            <a:off x="-84842" y="2330479"/>
+            <a:ext cx="9228839" cy="3049890"/>
           </a:xfrm>
           <a:prstGeom prst="rect">
             <a:avLst/>
           </a:prstGeom>
-          <a:noFill/>
-          <a:ln>
-            <a:noFill/>
-          </a:ln>
         </p:spPr>
       </p:pic>
-      <p:sp>
-        <p:nvSpPr>
-          <p:cNvPr id="113" name="Google Shape;113;p19"/>
-          <p:cNvSpPr txBox="1"/>
+      <p:pic>
+        <p:nvPicPr>
+          <p:cNvPr id="5" name="Картина 4">
+            <a:extLst>
+              <a:ext uri="{FF2B5EF4-FFF2-40B4-BE49-F238E27FC236}">
+                <a16:creationId xmlns:a16="http://schemas.microsoft.com/office/drawing/2014/main" id="{E5AF85C1-134C-4B66-8E71-DF5105EC6E3F}"/>
+              </a:ext>
+            </a:extLst>
+          </p:cNvPr>
+          <p:cNvPicPr>
+            <a:picLocks noChangeAspect="1"/>
+          </p:cNvPicPr>
           <p:nvPr/>
-        </p:nvSpPr>
+        </p:nvPicPr>
+        <p:blipFill>
+          <a:blip r:embed="rId3"/>
+          <a:stretch>
+            <a:fillRect/>
+          </a:stretch>
+        </p:blipFill>
         <p:spPr>
           <a:xfrm>
-            <a:off x="834400" y="2861077"/>
-            <a:ext cx="6202409" cy="369332"/>
+            <a:off x="-84841" y="3430"/>
+            <a:ext cx="9228840" cy="2327049"/>
           </a:xfrm>
           <a:prstGeom prst="rect">
             <a:avLst/>
           </a:prstGeom>
-          <a:noFill/>
-          <a:ln>
-            <a:noFill/>
-          </a:ln>
         </p:spPr>
-        <p:txBody>
-          <a:bodyPr spcFirstLastPara="1" wrap="square" lIns="91425" tIns="45700" rIns="91425" bIns="45700" anchor="t" anchorCtr="0">
-            <a:spAutoFit/>
-          </a:bodyPr>
-          <a:lstStyle/>
-          <a:p>
-            <a:pPr marL="0" marR="0" lvl="0" indent="0" algn="l" rtl="0">
-              <a:spcBef>
-                <a:spcPts val="0"/>
-              </a:spcBef>
-              <a:spcAft>
-                <a:spcPts val="0"/>
-              </a:spcAft>
-              <a:buNone/>
-            </a:pPr>
-            <a:endParaRPr sz="1800">
-              <a:solidFill>
-                <a:schemeClr val="dk1"/>
-              </a:solidFill>
-              <a:latin typeface="Arial"/>
-              <a:ea typeface="Arial"/>
-              <a:cs typeface="Arial"/>
-              <a:sym typeface="Arial"/>
-            </a:endParaRPr>
-          </a:p>
-        </p:txBody>
-      </p:sp>
-      <p:sp>
-        <p:nvSpPr>
-          <p:cNvPr id="114" name="Google Shape;114;p19"/>
-          <p:cNvSpPr txBox="1"/>
+      </p:pic>
+      <p:pic>
+        <p:nvPicPr>
+          <p:cNvPr id="6" name="Картина 5">
+            <a:extLst>
+              <a:ext uri="{FF2B5EF4-FFF2-40B4-BE49-F238E27FC236}">
+                <a16:creationId xmlns:a16="http://schemas.microsoft.com/office/drawing/2014/main" id="{64FA125B-8381-462C-B7AA-D3A985FCB20A}"/>
+              </a:ext>
+            </a:extLst>
+          </p:cNvPr>
+          <p:cNvPicPr>
+            <a:picLocks noChangeAspect="1"/>
+          </p:cNvPicPr>
           <p:nvPr/>
-        </p:nvSpPr>
+        </p:nvPicPr>
+        <p:blipFill>
+          <a:blip r:embed="rId4"/>
+          <a:stretch>
+            <a:fillRect/>
+          </a:stretch>
+        </p:blipFill>
         <p:spPr>
           <a:xfrm>
-            <a:off x="986800" y="3013477"/>
-            <a:ext cx="6202409" cy="369332"/>
+            <a:off x="-84842" y="5308385"/>
+            <a:ext cx="9228841" cy="1655952"/>
           </a:xfrm>
           <a:prstGeom prst="rect">
             <a:avLst/>
           </a:prstGeom>
-          <a:noFill/>
-          <a:ln>
-            <a:noFill/>
-          </a:ln>
-        </p:spPr>
-        <p:txBody>
-          <a:bodyPr spcFirstLastPara="1" wrap="square" lIns="91425" tIns="45700" rIns="91425" bIns="45700" anchor="t" anchorCtr="0">
-            <a:spAutoFit/>
-          </a:bodyPr>
-          <a:lstStyle/>
-          <a:p>
-            <a:pPr marL="0" marR="0" lvl="0" indent="0" algn="l" rtl="0">
-              <a:spcBef>
-                <a:spcPts val="0"/>
-              </a:spcBef>
-              <a:spcAft>
-                <a:spcPts val="0"/>
-              </a:spcAft>
-              <a:buNone/>
-            </a:pPr>
-            <a:endParaRPr sz="1800">
-              <a:solidFill>
-                <a:schemeClr val="dk1"/>
-              </a:solidFill>
-              <a:latin typeface="Arial"/>
-              <a:ea typeface="Arial"/>
-              <a:cs typeface="Arial"/>
-              <a:sym typeface="Arial"/>
-            </a:endParaRPr>
-          </a:p>
-        </p:txBody>
-      </p:sp>
-      <p:sp>
-        <p:nvSpPr>
-          <p:cNvPr id="115" name="Google Shape;115;p19"/>
-          <p:cNvSpPr txBox="1"/>
-          <p:nvPr/>
-        </p:nvSpPr>
-        <p:spPr>
-          <a:xfrm>
-            <a:off x="1139200" y="3165877"/>
-            <a:ext cx="6202409" cy="369332"/>
-          </a:xfrm>
-          <a:prstGeom prst="rect">
-            <a:avLst/>
-          </a:prstGeom>
-          <a:noFill/>
-          <a:ln>
-            <a:noFill/>
-          </a:ln>
-        </p:spPr>
-        <p:txBody>
-          <a:bodyPr spcFirstLastPara="1" wrap="square" lIns="91425" tIns="45700" rIns="91425" bIns="45700" anchor="t" anchorCtr="0">
-            <a:spAutoFit/>
-          </a:bodyPr>
-          <a:lstStyle/>
-          <a:p>
-            <a:pPr marL="0" marR="0" lvl="0" indent="0" algn="l" rtl="0">
-              <a:spcBef>
-                <a:spcPts val="0"/>
-              </a:spcBef>
-              <a:spcAft>
-                <a:spcPts val="0"/>
-              </a:spcAft>
-              <a:buNone/>
-            </a:pPr>
-            <a:endParaRPr sz="1800">
-              <a:solidFill>
-                <a:schemeClr val="dk1"/>
-              </a:solidFill>
-              <a:latin typeface="Arial"/>
-              <a:ea typeface="Arial"/>
-              <a:cs typeface="Arial"/>
-              <a:sym typeface="Arial"/>
-            </a:endParaRPr>
-          </a:p>
-        </p:txBody>
-      </p:sp>
-      <p:pic>
-        <p:nvPicPr>
-          <p:cNvPr id="116" name="Google Shape;116;p19"/>
-          <p:cNvPicPr preferRelativeResize="0"/>
-          <p:nvPr/>
-        </p:nvPicPr>
-        <p:blipFill rotWithShape="1">
-          <a:blip r:embed="rId4">
-            <a:alphaModFix/>
-          </a:blip>
-          <a:srcRect/>
-          <a:stretch/>
-        </p:blipFill>
-        <p:spPr>
-          <a:xfrm>
-            <a:off x="6008" y="2344191"/>
-            <a:ext cx="9144000" cy="745486"/>
-          </a:xfrm>
-          <a:prstGeom prst="rect">
-            <a:avLst/>
-          </a:prstGeom>
-          <a:noFill/>
-          <a:ln>
-            <a:noFill/>
-          </a:ln>
-        </p:spPr>
-      </p:pic>
-      <p:pic>
-        <p:nvPicPr>
-          <p:cNvPr id="117" name="Google Shape;117;p19"/>
-          <p:cNvPicPr preferRelativeResize="0"/>
-          <p:nvPr/>
-        </p:nvPicPr>
-        <p:blipFill rotWithShape="1">
-          <a:blip r:embed="rId5">
-            <a:alphaModFix/>
-          </a:blip>
-          <a:srcRect/>
-          <a:stretch/>
-        </p:blipFill>
-        <p:spPr>
-          <a:xfrm>
-            <a:off x="-26409" y="3169261"/>
-            <a:ext cx="9144000" cy="356747"/>
-          </a:xfrm>
-          <a:prstGeom prst="rect">
-            <a:avLst/>
-          </a:prstGeom>
-          <a:noFill/>
-          <a:ln>
-            <a:noFill/>
-          </a:ln>
         </p:spPr>
       </p:pic>
     </p:spTree>
+    <p:extLst>
+      <p:ext uri="{BB962C8B-B14F-4D97-AF65-F5344CB8AC3E}">
+        <p14:creationId xmlns:p14="http://schemas.microsoft.com/office/powerpoint/2010/main" val="2535494717"/>
+      </p:ext>
+    </p:extLst>
   </p:cSld>
   <p:clrMapOvr>
     <a:masterClrMapping/>
@@ -11311,7 +10193,7 @@
 </p:sld>
 </file>
 
-<file path=ppt/slides/slide8.xml><?xml version="1.0" encoding="utf-8"?>
+<file path=ppt/slides/slide7.xml><?xml version="1.0" encoding="utf-8"?>
 <p:sld xmlns:a="http://schemas.openxmlformats.org/drawingml/2006/main" xmlns:r="http://schemas.openxmlformats.org/officeDocument/2006/relationships" xmlns:p="http://schemas.openxmlformats.org/presentationml/2006/main">
   <p:cSld>
     <p:spTree>
@@ -11652,7 +10534,7 @@
 </p:sld>
 </file>
 
-<file path=ppt/slides/slide9.xml><?xml version="1.0" encoding="utf-8"?>
+<file path=ppt/slides/slide8.xml><?xml version="1.0" encoding="utf-8"?>
 <p:sld xmlns:a="http://schemas.openxmlformats.org/drawingml/2006/main" xmlns:r="http://schemas.openxmlformats.org/officeDocument/2006/relationships" xmlns:p="http://schemas.openxmlformats.org/presentationml/2006/main">
   <p:cSld>
     <p:spTree>
@@ -12058,6 +10940,59 @@
           </a:p>
         </p:txBody>
       </p:sp>
+    </p:spTree>
+  </p:cSld>
+  <p:clrMapOvr>
+    <a:masterClrMapping/>
+  </p:clrMapOvr>
+</p:sld>
+</file>
+
+<file path=ppt/slides/slide9.xml><?xml version="1.0" encoding="utf-8"?>
+<p:sld xmlns:a="http://schemas.openxmlformats.org/drawingml/2006/main" xmlns:r="http://schemas.openxmlformats.org/officeDocument/2006/relationships" xmlns:p="http://schemas.openxmlformats.org/presentationml/2006/main">
+  <p:cSld>
+    <p:spTree>
+      <p:nvGrpSpPr>
+        <p:cNvPr id="1" name="Shape 149"/>
+        <p:cNvGrpSpPr/>
+        <p:nvPr/>
+      </p:nvGrpSpPr>
+      <p:grpSpPr>
+        <a:xfrm>
+          <a:off x="0" y="0"/>
+          <a:ext cx="0" cy="0"/>
+          <a:chOff x="0" y="0"/>
+          <a:chExt cx="0" cy="0"/>
+        </a:xfrm>
+      </p:grpSpPr>
+      <p:pic>
+        <p:nvPicPr>
+          <p:cNvPr id="150" name="Google Shape;150;p22"/>
+          <p:cNvPicPr preferRelativeResize="0"/>
+          <p:nvPr/>
+        </p:nvPicPr>
+        <p:blipFill>
+          <a:blip r:embed="rId3">
+            <a:alphaModFix/>
+          </a:blip>
+          <a:stretch>
+            <a:fillRect/>
+          </a:stretch>
+        </p:blipFill>
+        <p:spPr>
+          <a:xfrm>
+            <a:off x="1612800" y="103050"/>
+            <a:ext cx="6002137" cy="6553202"/>
+          </a:xfrm>
+          <a:prstGeom prst="rect">
+            <a:avLst/>
+          </a:prstGeom>
+          <a:noFill/>
+          <a:ln>
+            <a:noFill/>
+          </a:ln>
+        </p:spPr>
+      </p:pic>
     </p:spTree>
   </p:cSld>
   <p:clrMapOvr>
